--- a/Ppt/APICourse.pptx
+++ b/Ppt/APICourse.pptx
@@ -5,10 +5,10 @@
     <p:sldMasterId id="2147483804" r:id="rId1"/>
   </p:sldMasterIdLst>
   <p:notesMasterIdLst>
-    <p:notesMasterId r:id="rId20"/>
+    <p:notesMasterId r:id="rId24"/>
   </p:notesMasterIdLst>
   <p:handoutMasterIdLst>
-    <p:handoutMasterId r:id="rId21"/>
+    <p:handoutMasterId r:id="rId25"/>
   </p:handoutMasterIdLst>
   <p:sldIdLst>
     <p:sldId id="256" r:id="rId2"/>
@@ -17,18 +17,22 @@
     <p:sldId id="257" r:id="rId5"/>
     <p:sldId id="263" r:id="rId6"/>
     <p:sldId id="262" r:id="rId7"/>
-    <p:sldId id="259" r:id="rId8"/>
-    <p:sldId id="258" r:id="rId9"/>
+    <p:sldId id="278" r:id="rId8"/>
+    <p:sldId id="259" r:id="rId9"/>
     <p:sldId id="264" r:id="rId10"/>
     <p:sldId id="265" r:id="rId11"/>
-    <p:sldId id="260" r:id="rId12"/>
-    <p:sldId id="266" r:id="rId13"/>
-    <p:sldId id="267" r:id="rId14"/>
-    <p:sldId id="268" r:id="rId15"/>
-    <p:sldId id="269" r:id="rId16"/>
-    <p:sldId id="270" r:id="rId17"/>
-    <p:sldId id="271" r:id="rId18"/>
-    <p:sldId id="272" r:id="rId19"/>
+    <p:sldId id="275" r:id="rId12"/>
+    <p:sldId id="276" r:id="rId13"/>
+    <p:sldId id="277" r:id="rId14"/>
+    <p:sldId id="260" r:id="rId15"/>
+    <p:sldId id="266" r:id="rId16"/>
+    <p:sldId id="267" r:id="rId17"/>
+    <p:sldId id="268" r:id="rId18"/>
+    <p:sldId id="279" r:id="rId19"/>
+    <p:sldId id="269" r:id="rId20"/>
+    <p:sldId id="270" r:id="rId21"/>
+    <p:sldId id="271" r:id="rId22"/>
+    <p:sldId id="272" r:id="rId23"/>
   </p:sldIdLst>
   <p:sldSz cx="9144000" cy="6858000" type="screen4x3"/>
   <p:notesSz cx="6858000" cy="9144000"/>
@@ -212,7 +216,7 @@
           <a:p>
             <a:fld id="{447B2612-6DCA-486C-AD01-53C75A1F93C8}" type="datetimeFigureOut">
               <a:rPr lang="en-US" smtClean="0"/>
-              <a:t>11/16/2019</a:t>
+              <a:t>2/21/2021</a:t>
             </a:fld>
             <a:endParaRPr lang="en-US"/>
           </a:p>
@@ -378,7 +382,7 @@
           <a:p>
             <a:fld id="{F17298E5-4A7E-4F0C-A0C8-343A39BED62E}" type="datetimeFigureOut">
               <a:rPr lang="en-US" smtClean="0"/>
-              <a:t>11/16/2019</a:t>
+              <a:t>2/21/2021</a:t>
             </a:fld>
             <a:endParaRPr lang="en-US"/>
           </a:p>
@@ -1052,7 +1056,7 @@
           <a:p>
             <a:fld id="{93F0F079-97B2-4829-A749-FF4A787C38C7}" type="datetime1">
               <a:rPr lang="en-US" smtClean="0"/>
-              <a:t>11/16/2019</a:t>
+              <a:t>2/21/2021</a:t>
             </a:fld>
             <a:endParaRPr lang="en-US"/>
           </a:p>
@@ -1226,7 +1230,7 @@
           <a:p>
             <a:fld id="{DB91FA9B-F411-4DD0-91A0-865D83131A34}" type="datetime1">
               <a:rPr lang="en-US" smtClean="0"/>
-              <a:t>11/16/2019</a:t>
+              <a:t>2/21/2021</a:t>
             </a:fld>
             <a:endParaRPr lang="en-US"/>
           </a:p>
@@ -1405,7 +1409,7 @@
           <a:p>
             <a:fld id="{ACF9BC1A-A716-4FDC-AD3F-4D2D0E00BD18}" type="datetime1">
               <a:rPr lang="en-US" smtClean="0"/>
-              <a:t>11/16/2019</a:t>
+              <a:t>2/21/2021</a:t>
             </a:fld>
             <a:endParaRPr lang="en-US"/>
           </a:p>
@@ -1574,7 +1578,7 @@
           <a:p>
             <a:fld id="{6C415B64-A32D-4911-84D8-C354F495351B}" type="datetime1">
               <a:rPr lang="en-US" smtClean="0"/>
-              <a:t>11/16/2019</a:t>
+              <a:t>2/21/2021</a:t>
             </a:fld>
             <a:endParaRPr lang="en-US"/>
           </a:p>
@@ -1835,7 +1839,7 @@
           <a:p>
             <a:fld id="{8F841162-C13D-4C28-BE9A-7C0A8CC296E5}" type="datetime1">
               <a:rPr lang="en-US" smtClean="0"/>
-              <a:t>11/16/2019</a:t>
+              <a:t>2/21/2021</a:t>
             </a:fld>
             <a:endParaRPr lang="en-US"/>
           </a:p>
@@ -1979,7 +1983,7 @@
           <a:p>
             <a:fld id="{F511E80F-F61E-4D29-B779-EDC9C50A0BAB}" type="datetime1">
               <a:rPr lang="en-US" smtClean="0"/>
-              <a:t>11/16/2019</a:t>
+              <a:t>2/21/2021</a:t>
             </a:fld>
             <a:endParaRPr lang="en-US"/>
           </a:p>
@@ -2633,7 +2637,7 @@
           <a:p>
             <a:fld id="{127F0860-CB58-4685-824A-6E010102C31B}" type="datetime1">
               <a:rPr lang="en-US" smtClean="0"/>
-              <a:t>11/16/2019</a:t>
+              <a:t>2/21/2021</a:t>
             </a:fld>
             <a:endParaRPr lang="en-US"/>
           </a:p>
@@ -2750,7 +2754,7 @@
           <a:p>
             <a:fld id="{B48B5503-D172-4275-A4F7-83263DBA6F34}" type="datetime1">
               <a:rPr lang="en-US" smtClean="0"/>
-              <a:t>11/16/2019</a:t>
+              <a:t>2/21/2021</a:t>
             </a:fld>
             <a:endParaRPr lang="en-US"/>
           </a:p>
@@ -2844,7 +2848,7 @@
           <a:p>
             <a:fld id="{5B5FDDC6-7704-4664-B7B6-62E8AA1219FE}" type="datetime1">
               <a:rPr lang="en-US" smtClean="0"/>
-              <a:t>11/16/2019</a:t>
+              <a:t>2/21/2021</a:t>
             </a:fld>
             <a:endParaRPr lang="en-US"/>
           </a:p>
@@ -3138,7 +3142,7 @@
           <a:p>
             <a:fld id="{75CFB3DF-FFEB-45E0-A5BC-B9363CDB1D35}" type="datetime1">
               <a:rPr lang="en-US" smtClean="0"/>
-              <a:t>11/16/2019</a:t>
+              <a:t>2/21/2021</a:t>
             </a:fld>
             <a:endParaRPr lang="en-US"/>
           </a:p>
@@ -3465,7 +3469,7 @@
           <a:p>
             <a:fld id="{40F159A6-5519-41C7-B64B-E4A16F336489}" type="datetime1">
               <a:rPr lang="en-US" smtClean="0"/>
-              <a:t>11/16/2019</a:t>
+              <a:t>2/21/2021</a:t>
             </a:fld>
             <a:endParaRPr lang="en-US"/>
           </a:p>
@@ -3926,7 +3930,7 @@
           <a:p>
             <a:fld id="{36F8BB6B-14F3-444C-B29E-29276632E136}" type="datetime1">
               <a:rPr lang="en-US" smtClean="0"/>
-              <a:t>11/16/2019</a:t>
+              <a:t>2/21/2021</a:t>
             </a:fld>
             <a:endParaRPr lang="en-US"/>
           </a:p>
@@ -4482,8 +4486,8 @@
         </p:nvSpPr>
         <p:spPr>
           <a:xfrm>
-            <a:off x="304800" y="5257800"/>
-            <a:ext cx="8382000" cy="1219200"/>
+            <a:off x="304800" y="5867400"/>
+            <a:ext cx="8382000" cy="609600"/>
           </a:xfrm>
         </p:spPr>
         <p:txBody>
@@ -4526,12 +4530,8 @@
               <a:rPr lang="en-US" sz="3600" b="1" dirty="0"/>
             </a:br>
             <a:r>
-              <a:rPr lang="en-US" sz="3600" b="1" dirty="0"/>
-              <a:t>Api </a:t>
-            </a:r>
-            <a:r>
               <a:rPr lang="en-US" sz="3600" b="1" dirty="0" smtClean="0"/>
-              <a:t>&amp; Micro </a:t>
+              <a:t>API &amp; Micro </a:t>
             </a:r>
             <a:r>
               <a:rPr lang="en-US" sz="3600" b="1" dirty="0"/>
@@ -4542,29 +4542,6 @@
               <a:t>Test Automation</a:t>
             </a:r>
             <a:endParaRPr lang="en-US" sz="3600" dirty="0"/>
-          </a:p>
-        </p:txBody>
-      </p:sp>
-      <p:sp>
-        <p:nvSpPr>
-          <p:cNvPr id="12" name="Footer Placeholder 11"/>
-          <p:cNvSpPr>
-            <a:spLocks noGrp="1"/>
-          </p:cNvSpPr>
-          <p:nvPr>
-            <p:ph type="ftr" sz="quarter" idx="12"/>
-          </p:nvPr>
-        </p:nvSpPr>
-        <p:spPr/>
-        <p:txBody>
-          <a:bodyPr/>
-          <a:lstStyle/>
-          <a:p>
-            <a:r>
-              <a:rPr lang="en-US" dirty="0" smtClean="0"/>
-              <a:t>Api &amp; Micro Services Test Automation</a:t>
-            </a:r>
-            <a:endParaRPr lang="en-US" dirty="0"/>
           </a:p>
         </p:txBody>
       </p:sp>
@@ -4629,109 +4606,159 @@
           <a:p>
             <a:pPr fontAlgn="base"/>
             <a:r>
-              <a:rPr lang="en-US" dirty="0">
+              <a:rPr lang="en-US" sz="1900" dirty="0">
                 <a:effectLst/>
+                <a:latin typeface="Calibri" pitchFamily="34" charset="0"/>
+                <a:cs typeface="Calibri" pitchFamily="34" charset="0"/>
               </a:rPr>
               <a:t>How did </a:t>
             </a:r>
             <a:r>
-              <a:rPr lang="en-US" dirty="0" err="1">
+              <a:rPr lang="en-US" sz="1900" dirty="0" err="1">
                 <a:effectLst/>
+                <a:latin typeface="Calibri" pitchFamily="34" charset="0"/>
+                <a:cs typeface="Calibri" pitchFamily="34" charset="0"/>
               </a:rPr>
               <a:t>Uber</a:t>
             </a:r>
             <a:r>
-              <a:rPr lang="en-US" dirty="0">
+              <a:rPr lang="en-US" sz="1900" dirty="0">
                 <a:effectLst/>
+                <a:latin typeface="Calibri" pitchFamily="34" charset="0"/>
+                <a:cs typeface="Calibri" pitchFamily="34" charset="0"/>
               </a:rPr>
               <a:t> manage to achieve this high percentage? </a:t>
             </a:r>
             <a:r>
-              <a:rPr lang="en-US" b="1" dirty="0" smtClean="0">
+              <a:rPr lang="en-US" sz="1900" b="1" dirty="0" smtClean="0">
                 <a:effectLst/>
+                <a:latin typeface="Calibri" pitchFamily="34" charset="0"/>
+                <a:cs typeface="Calibri" pitchFamily="34" charset="0"/>
               </a:rPr>
               <a:t>Thanks to using APIs</a:t>
             </a:r>
             <a:r>
-              <a:rPr lang="en-US" dirty="0" smtClean="0">
+              <a:rPr lang="en-US" sz="1900" dirty="0" smtClean="0">
                 <a:effectLst/>
+                <a:latin typeface="Calibri" pitchFamily="34" charset="0"/>
+                <a:cs typeface="Calibri" pitchFamily="34" charset="0"/>
               </a:rPr>
               <a:t>. </a:t>
             </a:r>
             <a:r>
-              <a:rPr lang="en-US" dirty="0">
+              <a:rPr lang="en-US" sz="1900" dirty="0">
                 <a:effectLst/>
+                <a:latin typeface="Calibri" pitchFamily="34" charset="0"/>
+                <a:cs typeface="Calibri" pitchFamily="34" charset="0"/>
               </a:rPr>
               <a:t>The company anonymously accumulated the driving patterns of more than 3000 professionals in the city of San Francisco at the beginning of </a:t>
             </a:r>
             <a:r>
-              <a:rPr lang="en-US" dirty="0" smtClean="0">
+              <a:rPr lang="en-US" sz="1900" dirty="0" smtClean="0">
                 <a:effectLst/>
+                <a:latin typeface="Calibri" pitchFamily="34" charset="0"/>
+                <a:cs typeface="Calibri" pitchFamily="34" charset="0"/>
               </a:rPr>
               <a:t>2014</a:t>
             </a:r>
             <a:r>
-              <a:rPr lang="en-US" dirty="0">
+              <a:rPr lang="en-US" sz="1900" dirty="0">
                 <a:effectLst/>
+                <a:latin typeface="Calibri" pitchFamily="34" charset="0"/>
+                <a:cs typeface="Calibri" pitchFamily="34" charset="0"/>
               </a:rPr>
               <a:t>,</a:t>
             </a:r>
             <a:r>
-              <a:rPr lang="en-US" dirty="0" smtClean="0">
+              <a:rPr lang="en-US" sz="1900" dirty="0" smtClean="0">
                 <a:effectLst/>
+                <a:latin typeface="Calibri" pitchFamily="34" charset="0"/>
+                <a:cs typeface="Calibri" pitchFamily="34" charset="0"/>
               </a:rPr>
               <a:t> </a:t>
             </a:r>
             <a:r>
-              <a:rPr lang="en-US" dirty="0">
+              <a:rPr lang="en-US" sz="1900" dirty="0">
                 <a:effectLst/>
-              </a:rPr>
-              <a:t>which enabled them to collate the success of the model.</a:t>
+                <a:latin typeface="Calibri" pitchFamily="34" charset="0"/>
+                <a:cs typeface="Calibri" pitchFamily="34" charset="0"/>
+              </a:rPr>
+              <a:t>which enabled them to collate the success of the model</a:t>
+            </a:r>
+            <a:r>
+              <a:rPr lang="en-US" sz="1900" dirty="0" smtClean="0">
+                <a:effectLst/>
+                <a:latin typeface="Calibri" pitchFamily="34" charset="0"/>
+                <a:cs typeface="Calibri" pitchFamily="34" charset="0"/>
+              </a:rPr>
+              <a:t>.</a:t>
             </a:r>
           </a:p>
           <a:p>
             <a:pPr fontAlgn="base"/>
-            <a:r>
-              <a:rPr lang="en-US" dirty="0">
+            <a:endParaRPr lang="en-US" sz="1900" dirty="0">
+              <a:effectLst/>
+              <a:latin typeface="Calibri" pitchFamily="34" charset="0"/>
+              <a:cs typeface="Calibri" pitchFamily="34" charset="0"/>
+            </a:endParaRPr>
+          </a:p>
+          <a:p>
+            <a:pPr fontAlgn="base"/>
+            <a:r>
+              <a:rPr lang="en-US" sz="1900" dirty="0">
                 <a:effectLst/>
+                <a:latin typeface="Calibri" pitchFamily="34" charset="0"/>
+                <a:cs typeface="Calibri" pitchFamily="34" charset="0"/>
               </a:rPr>
               <a:t>An algorithm can also be used to anonymously accumulate information about users' movement patterns, the places they go, what time they go </a:t>
             </a:r>
             <a:r>
-              <a:rPr lang="en-US" dirty="0" err="1" smtClean="0">
+              <a:rPr lang="en-US" sz="1900" dirty="0" smtClean="0">
                 <a:effectLst/>
-              </a:rPr>
-              <a:t>there.The</a:t>
-            </a:r>
-            <a:r>
-              <a:rPr lang="en-US" dirty="0" smtClean="0">
+                <a:latin typeface="Calibri" pitchFamily="34" charset="0"/>
+                <a:cs typeface="Calibri" pitchFamily="34" charset="0"/>
+              </a:rPr>
+              <a:t>there. The </a:t>
+            </a:r>
+            <a:r>
+              <a:rPr lang="en-US" sz="1900" dirty="0">
                 <a:effectLst/>
-              </a:rPr>
-              <a:t> </a:t>
-            </a:r>
-            <a:r>
-              <a:rPr lang="en-US" dirty="0">
+                <a:latin typeface="Calibri" pitchFamily="34" charset="0"/>
+                <a:cs typeface="Calibri" pitchFamily="34" charset="0"/>
+              </a:rPr>
+              <a:t>idea of the </a:t>
+            </a:r>
+            <a:r>
+              <a:rPr lang="en-US" sz="1900" dirty="0" err="1">
                 <a:effectLst/>
-              </a:rPr>
-              <a:t>idea of the </a:t>
-            </a:r>
-            <a:r>
-              <a:rPr lang="en-US" dirty="0" err="1">
+                <a:latin typeface="Calibri" pitchFamily="34" charset="0"/>
+                <a:cs typeface="Calibri" pitchFamily="34" charset="0"/>
+              </a:rPr>
+              <a:t>Uber</a:t>
+            </a:r>
+            <a:r>
+              <a:rPr lang="en-US" sz="1900" dirty="0">
                 <a:effectLst/>
-              </a:rPr>
-              <a:t>Uber</a:t>
-            </a:r>
-            <a:r>
-              <a:rPr lang="en-US" dirty="0">
+                <a:latin typeface="Calibri" pitchFamily="34" charset="0"/>
+                <a:cs typeface="Calibri" pitchFamily="34" charset="0"/>
+              </a:rPr>
+              <a:t> data team is to find out more about consumers and offer services that adjust to their needs. </a:t>
+            </a:r>
+            <a:r>
+              <a:rPr lang="en-US" sz="1900" b="1" dirty="0">
                 <a:effectLst/>
-              </a:rPr>
-              <a:t> data team is to find out more about consumers and offer services that adjust to their needs. </a:t>
-            </a:r>
-            <a:r>
-              <a:rPr lang="en-US" b="1" dirty="0">
+                <a:latin typeface="Calibri" pitchFamily="34" charset="0"/>
+                <a:cs typeface="Calibri" pitchFamily="34" charset="0"/>
+              </a:rPr>
+              <a:t>This wouldn't be viable without APIs</a:t>
+            </a:r>
+            <a:r>
+              <a:rPr lang="en-US" sz="1800" b="1" dirty="0">
                 <a:effectLst/>
-              </a:rPr>
-              <a:t>This wouldn't be viable without APIs.</a:t>
+                <a:latin typeface="Calibri" pitchFamily="34" charset="0"/>
+                <a:cs typeface="Calibri" pitchFamily="34" charset="0"/>
+              </a:rPr>
+              <a:t>.</a:t>
             </a:r>
           </a:p>
           <a:p>
@@ -4927,18 +4954,275 @@
           <a:chExt cx="0" cy="0"/>
         </a:xfrm>
       </p:grpSpPr>
+      <p:sp>
+        <p:nvSpPr>
+          <p:cNvPr id="6" name="Content Placeholder 5"/>
+          <p:cNvSpPr>
+            <a:spLocks noGrp="1"/>
+          </p:cNvSpPr>
+          <p:nvPr>
+            <p:ph idx="1"/>
+          </p:nvPr>
+        </p:nvSpPr>
+        <p:spPr>
+          <a:xfrm>
+            <a:off x="304800" y="838200"/>
+            <a:ext cx="8534400" cy="5791200"/>
+          </a:xfrm>
+        </p:spPr>
+        <p:txBody>
+          <a:bodyPr anchor="t">
+            <a:normAutofit/>
+          </a:bodyPr>
+          <a:lstStyle/>
+          <a:p>
+            <a:r>
+              <a:rPr lang="en-US" dirty="0">
+                <a:effectLst/>
+              </a:rPr>
+              <a:t> </a:t>
+            </a:r>
+            <a:r>
+              <a:rPr lang="en-US" b="1" dirty="0">
+                <a:effectLst/>
+              </a:rPr>
+              <a:t>C</a:t>
+            </a:r>
+            <a:r>
+              <a:rPr lang="en-US" b="1" dirty="0" smtClean="0">
+                <a:effectLst/>
+              </a:rPr>
+              <a:t>reating </a:t>
+            </a:r>
+            <a:r>
+              <a:rPr lang="en-US" b="1" dirty="0">
+                <a:effectLst/>
+              </a:rPr>
+              <a:t>and publishing tweets after the occurrence of X </a:t>
+            </a:r>
+            <a:r>
+              <a:rPr lang="en-US" b="1" dirty="0" smtClean="0">
+                <a:effectLst/>
+              </a:rPr>
+              <a:t>requirements</a:t>
+            </a:r>
+            <a:br>
+              <a:rPr lang="en-US" b="1" dirty="0" smtClean="0">
+                <a:effectLst/>
+              </a:rPr>
+            </a:br>
+            <a:r>
+              <a:rPr lang="en-US" b="1" dirty="0" smtClean="0">
+                <a:effectLst/>
+              </a:rPr>
+              <a:t/>
+            </a:r>
+            <a:br>
+              <a:rPr lang="en-US" b="1" dirty="0" smtClean="0">
+                <a:effectLst/>
+              </a:rPr>
+            </a:br>
+            <a:r>
+              <a:rPr lang="en-US" sz="1900" dirty="0">
+                <a:effectLst/>
+                <a:latin typeface="Calibri" pitchFamily="34" charset="0"/>
+                <a:cs typeface="Calibri" pitchFamily="34" charset="0"/>
+              </a:rPr>
+              <a:t>Each time someone names your company in Twitter and includes the words “query”, “question”, please” or “thank you”, you can create a default thank you tweet with your company’s maximum response time. Any bot in Twitter or profiles that publish automatic tweets normally uses the streaming Twitter API, based on an app created in this social network. There are thousands of entertaining cases of bots in Twitter, in fact, </a:t>
+            </a:r>
+            <a:r>
+              <a:rPr lang="en-US" sz="1900" dirty="0">
+                <a:solidFill>
+                  <a:srgbClr val="FFC000"/>
+                </a:solidFill>
+                <a:effectLst/>
+                <a:latin typeface="Calibri" pitchFamily="34" charset="0"/>
+                <a:cs typeface="Calibri" pitchFamily="34" charset="0"/>
+              </a:rPr>
+              <a:t>according to </a:t>
+            </a:r>
+            <a:r>
+              <a:rPr lang="en-US" sz="1900" dirty="0" smtClean="0">
+                <a:solidFill>
+                  <a:srgbClr val="FFC000"/>
+                </a:solidFill>
+                <a:effectLst/>
+                <a:latin typeface="Calibri" pitchFamily="34" charset="0"/>
+                <a:cs typeface="Calibri" pitchFamily="34" charset="0"/>
+              </a:rPr>
+              <a:t>a recent study,</a:t>
+            </a:r>
+            <a:r>
+              <a:rPr lang="en-US" sz="1900" dirty="0">
+                <a:solidFill>
+                  <a:srgbClr val="FFC000"/>
+                </a:solidFill>
+                <a:effectLst/>
+                <a:latin typeface="Calibri" pitchFamily="34" charset="0"/>
+                <a:cs typeface="Calibri" pitchFamily="34" charset="0"/>
+              </a:rPr>
+              <a:t> </a:t>
+            </a:r>
+            <a:r>
+              <a:rPr lang="en-US" sz="2000" b="1" dirty="0">
+                <a:solidFill>
+                  <a:srgbClr val="FFC000"/>
+                </a:solidFill>
+                <a:effectLst/>
+                <a:latin typeface="Calibri" pitchFamily="34" charset="0"/>
+                <a:cs typeface="Calibri" pitchFamily="34" charset="0"/>
+              </a:rPr>
+              <a:t>15%</a:t>
+            </a:r>
+            <a:r>
+              <a:rPr lang="en-US" sz="1900" dirty="0">
+                <a:solidFill>
+                  <a:srgbClr val="FFC000"/>
+                </a:solidFill>
+                <a:effectLst/>
+                <a:latin typeface="Calibri" pitchFamily="34" charset="0"/>
+                <a:cs typeface="Calibri" pitchFamily="34" charset="0"/>
+              </a:rPr>
+              <a:t> of Twitter users are bots</a:t>
+            </a:r>
+          </a:p>
+          <a:p>
+            <a:pPr marL="18288" indent="0">
+              <a:buNone/>
+            </a:pPr>
+            <a:endParaRPr lang="en-US" sz="1800" b="1" dirty="0">
+              <a:solidFill>
+                <a:srgbClr val="FFC000"/>
+              </a:solidFill>
+              <a:effectLst/>
+            </a:endParaRPr>
+          </a:p>
+          <a:p>
+            <a:r>
+              <a:rPr lang="en-US" sz="1800" b="1" dirty="0">
+                <a:effectLst/>
+              </a:rPr>
+              <a:t>Case studies</a:t>
+            </a:r>
+          </a:p>
+          <a:p>
+            <a:pPr marL="384048" lvl="1" indent="0">
+              <a:buNone/>
+            </a:pPr>
+            <a:r>
+              <a:rPr lang="en-US" sz="1800" dirty="0">
+                <a:effectLst/>
+                <a:latin typeface="Calibri" pitchFamily="34" charset="0"/>
+                <a:cs typeface="Calibri" pitchFamily="34" charset="0"/>
+              </a:rPr>
+              <a:t>Y</a:t>
+            </a:r>
+            <a:r>
+              <a:rPr lang="en-US" sz="1800" dirty="0" smtClean="0">
+                <a:effectLst/>
+                <a:latin typeface="Calibri" pitchFamily="34" charset="0"/>
+                <a:cs typeface="Calibri" pitchFamily="34" charset="0"/>
+              </a:rPr>
+              <a:t>ou </a:t>
+            </a:r>
+            <a:r>
+              <a:rPr lang="en-US" sz="1800" dirty="0">
+                <a:effectLst/>
+                <a:latin typeface="Calibri" pitchFamily="34" charset="0"/>
+                <a:cs typeface="Calibri" pitchFamily="34" charset="0"/>
+              </a:rPr>
+              <a:t>are an </a:t>
+            </a:r>
+            <a:r>
+              <a:rPr lang="en-US" sz="1800" b="1" dirty="0">
+                <a:effectLst/>
+                <a:latin typeface="Calibri" pitchFamily="34" charset="0"/>
+                <a:cs typeface="Calibri" pitchFamily="34" charset="0"/>
+              </a:rPr>
+              <a:t>airline</a:t>
+            </a:r>
+            <a:r>
+              <a:rPr lang="en-US" sz="1800" dirty="0">
+                <a:effectLst/>
+                <a:latin typeface="Calibri" pitchFamily="34" charset="0"/>
+                <a:cs typeface="Calibri" pitchFamily="34" charset="0"/>
+              </a:rPr>
+              <a:t> and you want to know more about travelers’ experience and the profile of the most frequent travelers. You can use the Twitter API to search for airports where your company flies to that include the word “flight”, thereby obtaining data about how many users have complained on the social network about flight cancellations or delays and, for example, the average number of followers of those users. Thus, even if these users are not your customers, you can find out which airports usually have the most problems and the types of users who use this social network to find this type of information or even as a customer service medium.</a:t>
+            </a:r>
+          </a:p>
+          <a:p>
+            <a:pPr marL="18288" indent="0">
+              <a:buNone/>
+            </a:pPr>
+            <a:endParaRPr lang="en-US" sz="1800" dirty="0"/>
+          </a:p>
+        </p:txBody>
+      </p:sp>
+      <p:sp>
+        <p:nvSpPr>
+          <p:cNvPr id="5" name="Title 4"/>
+          <p:cNvSpPr>
+            <a:spLocks noGrp="1"/>
+          </p:cNvSpPr>
+          <p:nvPr>
+            <p:ph type="title"/>
+          </p:nvPr>
+        </p:nvSpPr>
+        <p:spPr>
+          <a:xfrm>
+            <a:off x="152400" y="0"/>
+            <a:ext cx="8763000" cy="914400"/>
+          </a:xfrm>
+        </p:spPr>
+        <p:txBody>
+          <a:bodyPr/>
+          <a:lstStyle/>
+          <a:p>
+            <a:r>
+              <a:rPr lang="en-US" sz="3200" dirty="0" smtClean="0">
+                <a:effectLst/>
+              </a:rPr>
+              <a:t>Twitter API </a:t>
+            </a:r>
+            <a:endParaRPr lang="en-US" sz="3200" dirty="0">
+              <a:effectLst/>
+            </a:endParaRPr>
+          </a:p>
+        </p:txBody>
+      </p:sp>
+      <p:sp>
+        <p:nvSpPr>
+          <p:cNvPr id="10" name="Footer Placeholder 9"/>
+          <p:cNvSpPr>
+            <a:spLocks noGrp="1"/>
+          </p:cNvSpPr>
+          <p:nvPr>
+            <p:ph type="ftr" sz="quarter" idx="12"/>
+          </p:nvPr>
+        </p:nvSpPr>
+        <p:spPr/>
+        <p:txBody>
+          <a:bodyPr/>
+          <a:lstStyle/>
+          <a:p>
+            <a:r>
+              <a:rPr lang="en-US" smtClean="0"/>
+              <a:t>Api &amp; Micro Services Test Automation</a:t>
+            </a:r>
+            <a:endParaRPr lang="en-US"/>
+          </a:p>
+        </p:txBody>
+      </p:sp>
       <p:pic>
         <p:nvPicPr>
-          <p:cNvPr id="2" name="Content Placeholder 1"/>
+          <p:cNvPr id="2" name="Picture 1"/>
           <p:cNvPicPr>
-            <a:picLocks noGrp="1" noChangeAspect="1"/>
+            <a:picLocks noChangeAspect="1"/>
           </p:cNvPicPr>
-          <p:nvPr>
-            <p:ph idx="1"/>
-          </p:nvPr>
+          <p:nvPr/>
         </p:nvPicPr>
         <p:blipFill>
-          <a:blip r:embed="rId2">
+          <a:blip r:embed="rId2" cstate="print">
             <a:extLst>
               <a:ext uri="{28A0092B-C50C-407E-A947-70E740481C1C}">
                 <a14:useLocalDpi xmlns:a14="http://schemas.microsoft.com/office/drawing/2010/main" val="0"/>
@@ -4951,66 +5235,18 @@
         </p:blipFill>
         <p:spPr>
           <a:xfrm>
-            <a:off x="609600" y="1355165"/>
-            <a:ext cx="7924800" cy="5198035"/>
-          </a:xfrm>
+            <a:off x="2428876" y="152400"/>
+            <a:ext cx="771524" cy="771524"/>
+          </a:xfrm>
+          <a:prstGeom prst="rect">
+            <a:avLst/>
+          </a:prstGeom>
         </p:spPr>
       </p:pic>
-      <p:sp>
-        <p:nvSpPr>
-          <p:cNvPr id="4" name="Title 3"/>
-          <p:cNvSpPr>
-            <a:spLocks noGrp="1"/>
-          </p:cNvSpPr>
-          <p:nvPr>
-            <p:ph type="title"/>
-          </p:nvPr>
-        </p:nvSpPr>
-        <p:spPr>
-          <a:xfrm>
-            <a:off x="762000" y="152400"/>
-            <a:ext cx="7543800" cy="914400"/>
-          </a:xfrm>
-        </p:spPr>
-        <p:txBody>
-          <a:bodyPr/>
-          <a:lstStyle/>
-          <a:p>
-            <a:r>
-              <a:rPr lang="en-US" sz="3200" dirty="0" smtClean="0"/>
-              <a:t>Real world business cases </a:t>
-            </a:r>
-            <a:endParaRPr lang="en-US" sz="3200" dirty="0"/>
-          </a:p>
-        </p:txBody>
-      </p:sp>
-      <p:sp>
-        <p:nvSpPr>
-          <p:cNvPr id="3" name="Footer Placeholder 2"/>
-          <p:cNvSpPr>
-            <a:spLocks noGrp="1"/>
-          </p:cNvSpPr>
-          <p:nvPr>
-            <p:ph type="ftr" sz="quarter" idx="12"/>
-          </p:nvPr>
-        </p:nvSpPr>
-        <p:spPr/>
-        <p:txBody>
-          <a:bodyPr/>
-          <a:lstStyle/>
-          <a:p>
-            <a:r>
-              <a:rPr lang="en-US" smtClean="0"/>
-              <a:t>Api &amp; Micro Services Test Automation</a:t>
-            </a:r>
-            <a:endParaRPr lang="en-US"/>
-          </a:p>
-        </p:txBody>
-      </p:sp>
     </p:spTree>
     <p:extLst>
       <p:ext uri="{BB962C8B-B14F-4D97-AF65-F5344CB8AC3E}">
-        <p14:creationId xmlns:p14="http://schemas.microsoft.com/office/powerpoint/2010/main" val="3657315786"/>
+        <p14:creationId xmlns:p14="http://schemas.microsoft.com/office/powerpoint/2010/main" val="3688268649"/>
       </p:ext>
     </p:extLst>
   </p:cSld>
@@ -5046,7 +5282,135 @@
       </p:grpSpPr>
       <p:sp>
         <p:nvSpPr>
-          <p:cNvPr id="4" name="Title 3"/>
+          <p:cNvPr id="6" name="Content Placeholder 5"/>
+          <p:cNvSpPr>
+            <a:spLocks noGrp="1"/>
+          </p:cNvSpPr>
+          <p:nvPr>
+            <p:ph idx="1"/>
+          </p:nvPr>
+        </p:nvSpPr>
+        <p:spPr>
+          <a:xfrm>
+            <a:off x="304800" y="838200"/>
+            <a:ext cx="8534400" cy="5791200"/>
+          </a:xfrm>
+        </p:spPr>
+        <p:txBody>
+          <a:bodyPr anchor="t">
+            <a:normAutofit/>
+          </a:bodyPr>
+          <a:lstStyle/>
+          <a:p>
+            <a:r>
+              <a:rPr lang="en-US" dirty="0">
+                <a:effectLst/>
+              </a:rPr>
+              <a:t> </a:t>
+            </a:r>
+            <a:r>
+              <a:rPr lang="en-US" b="1" dirty="0" smtClean="0">
+                <a:solidFill>
+                  <a:srgbClr val="FFC000"/>
+                </a:solidFill>
+                <a:effectLst/>
+                <a:latin typeface="Calibri" pitchFamily="34" charset="0"/>
+                <a:cs typeface="Calibri" pitchFamily="34" charset="0"/>
+              </a:rPr>
+              <a:t>Facebook Leads Ads API </a:t>
+            </a:r>
+            <a:endParaRPr lang="en-US" dirty="0">
+              <a:solidFill>
+                <a:srgbClr val="FFC000"/>
+              </a:solidFill>
+              <a:effectLst/>
+              <a:latin typeface="Calibri" pitchFamily="34" charset="0"/>
+              <a:cs typeface="Calibri" pitchFamily="34" charset="0"/>
+            </a:endParaRPr>
+          </a:p>
+          <a:p>
+            <a:r>
+              <a:rPr lang="en-US" sz="2000" dirty="0">
+                <a:effectLst/>
+                <a:latin typeface="Calibri" pitchFamily="34" charset="0"/>
+                <a:cs typeface="Calibri" pitchFamily="34" charset="0"/>
+              </a:rPr>
+              <a:t>Ads on Facebook are one of the best ways of attracting potential customers online. They help all kinds of businesses connect with consumers interested in their products and services.</a:t>
+            </a:r>
+          </a:p>
+          <a:p>
+            <a:r>
+              <a:rPr lang="en-US" sz="2000" dirty="0" smtClean="0">
+                <a:effectLst/>
+                <a:latin typeface="Calibri" pitchFamily="34" charset="0"/>
+                <a:cs typeface="Calibri" pitchFamily="34" charset="0"/>
+              </a:rPr>
+              <a:t>With </a:t>
+            </a:r>
+            <a:r>
+              <a:rPr lang="en-US" sz="2000" dirty="0">
+                <a:effectLst/>
+                <a:latin typeface="Calibri" pitchFamily="34" charset="0"/>
+                <a:cs typeface="Calibri" pitchFamily="34" charset="0"/>
+              </a:rPr>
+              <a:t>Facebook Lead Ads, users can </a:t>
+            </a:r>
+            <a:r>
+              <a:rPr lang="en-US" sz="2000" b="1" dirty="0">
+                <a:effectLst/>
+                <a:latin typeface="Calibri" pitchFamily="34" charset="0"/>
+                <a:cs typeface="Calibri" pitchFamily="34" charset="0"/>
+              </a:rPr>
+              <a:t>easily register</a:t>
+            </a:r>
+            <a:r>
+              <a:rPr lang="en-US" sz="2000" dirty="0">
+                <a:effectLst/>
+                <a:latin typeface="Calibri" pitchFamily="34" charset="0"/>
+                <a:cs typeface="Calibri" pitchFamily="34" charset="0"/>
+              </a:rPr>
+              <a:t> with your business; a button and a form are shown inside every message. The ingenious thing about it is the fact that Facebook pre-populates the requested details: name, phone number, email address, etc. This makes potential customers much less reluctant to send their personal details and find out about your offers and services or register in your platform</a:t>
+            </a:r>
+            <a:r>
+              <a:rPr lang="en-US" sz="2000" dirty="0" smtClean="0">
+                <a:effectLst/>
+                <a:latin typeface="Calibri" pitchFamily="34" charset="0"/>
+                <a:cs typeface="Calibri" pitchFamily="34" charset="0"/>
+              </a:rPr>
+              <a:t>.</a:t>
+            </a:r>
+          </a:p>
+          <a:p>
+            <a:r>
+              <a:rPr lang="en-US" sz="2000" dirty="0">
+                <a:effectLst/>
+                <a:latin typeface="Calibri" pitchFamily="34" charset="0"/>
+                <a:cs typeface="Calibri" pitchFamily="34" charset="0"/>
+              </a:rPr>
+              <a:t>After you post the message with the button to capture “leads,” you can use other Facebook tools to promote your message and reach more people.</a:t>
+            </a:r>
+            <a:endParaRPr lang="en-US" sz="2000" dirty="0" smtClean="0">
+              <a:effectLst/>
+              <a:latin typeface="Calibri" pitchFamily="34" charset="0"/>
+              <a:cs typeface="Calibri" pitchFamily="34" charset="0"/>
+            </a:endParaRPr>
+          </a:p>
+          <a:p>
+            <a:endParaRPr lang="en-US" sz="1800" dirty="0">
+              <a:effectLst/>
+            </a:endParaRPr>
+          </a:p>
+          <a:p>
+            <a:pPr marL="18288" indent="0">
+              <a:buNone/>
+            </a:pPr>
+            <a:endParaRPr lang="en-US" sz="1800" dirty="0"/>
+          </a:p>
+        </p:txBody>
+      </p:sp>
+      <p:sp>
+        <p:nvSpPr>
+          <p:cNvPr id="5" name="Title 4"/>
           <p:cNvSpPr>
             <a:spLocks noGrp="1"/>
           </p:cNvSpPr>
@@ -5056,8 +5420,8 @@
         </p:nvSpPr>
         <p:spPr>
           <a:xfrm>
-            <a:off x="762000" y="152400"/>
-            <a:ext cx="7543800" cy="914400"/>
+            <a:off x="152400" y="0"/>
+            <a:ext cx="8763000" cy="914400"/>
           </a:xfrm>
         </p:spPr>
         <p:txBody>
@@ -5065,25 +5429,53 @@
           <a:lstStyle/>
           <a:p>
             <a:r>
-              <a:rPr lang="en-US" sz="3200" dirty="0" smtClean="0"/>
-              <a:t>Top Companies Exposing APIs</a:t>
-            </a:r>
-            <a:endParaRPr lang="en-US" sz="3200" dirty="0"/>
+              <a:rPr lang="en-US" sz="3200" dirty="0" smtClean="0">
+                <a:effectLst/>
+              </a:rPr>
+              <a:t>Facebook API </a:t>
+            </a:r>
+            <a:r>
+              <a:rPr lang="en-US" sz="3200" dirty="0">
+                <a:effectLst/>
+              </a:rPr>
+              <a:t>in your business</a:t>
+            </a:r>
+          </a:p>
+        </p:txBody>
+      </p:sp>
+      <p:sp>
+        <p:nvSpPr>
+          <p:cNvPr id="10" name="Footer Placeholder 9"/>
+          <p:cNvSpPr>
+            <a:spLocks noGrp="1"/>
+          </p:cNvSpPr>
+          <p:nvPr>
+            <p:ph type="ftr" sz="quarter" idx="12"/>
+          </p:nvPr>
+        </p:nvSpPr>
+        <p:spPr/>
+        <p:txBody>
+          <a:bodyPr/>
+          <a:lstStyle/>
+          <a:p>
+            <a:r>
+              <a:rPr lang="en-US" smtClean="0"/>
+              <a:t>Api &amp; Micro Services Test Automation</a:t>
+            </a:r>
+            <a:endParaRPr lang="en-US"/>
           </a:p>
         </p:txBody>
       </p:sp>
       <p:pic>
         <p:nvPicPr>
-          <p:cNvPr id="5" name="Content Placeholder 4"/>
+          <p:cNvPr id="2" name="Picture 1"/>
           <p:cNvPicPr>
-            <a:picLocks noGrp="1" noChangeAspect="1"/>
+            <a:picLocks noChangeAspect="1"/>
           </p:cNvPicPr>
-          <p:nvPr>
-            <p:ph idx="1"/>
-          </p:nvPr>
+          <p:nvPr/>
         </p:nvPicPr>
         <p:blipFill>
-          <a:blip r:embed="rId2">
+          <a:blip r:embed="rId2" cstate="print">
             <a:extLst>
               <a:ext uri="{28A0092B-C50C-407E-A947-70E740481C1C}">
                 <a14:useLocalDpi xmlns:a14="http://schemas.microsoft.com/office/drawing/2010/main" val="0"/>
@@ -5096,38 +5488,18 @@
         </p:blipFill>
         <p:spPr>
           <a:xfrm>
-            <a:off x="609600" y="1186898"/>
-            <a:ext cx="7924800" cy="5442502"/>
-          </a:xfrm>
+            <a:off x="7848600" y="140493"/>
+            <a:ext cx="842962" cy="842962"/>
+          </a:xfrm>
+          <a:prstGeom prst="rect">
+            <a:avLst/>
+          </a:prstGeom>
         </p:spPr>
       </p:pic>
-      <p:sp>
-        <p:nvSpPr>
-          <p:cNvPr id="6" name="Footer Placeholder 5"/>
-          <p:cNvSpPr>
-            <a:spLocks noGrp="1"/>
-          </p:cNvSpPr>
-          <p:nvPr>
-            <p:ph type="ftr" sz="quarter" idx="12"/>
-          </p:nvPr>
-        </p:nvSpPr>
-        <p:spPr/>
-        <p:txBody>
-          <a:bodyPr/>
-          <a:lstStyle/>
-          <a:p>
-            <a:r>
-              <a:rPr lang="en-US" smtClean="0"/>
-              <a:t>Api &amp; Micro Services Test Automation</a:t>
-            </a:r>
-            <a:endParaRPr lang="en-US"/>
-          </a:p>
-        </p:txBody>
-      </p:sp>
     </p:spTree>
     <p:extLst>
       <p:ext uri="{BB962C8B-B14F-4D97-AF65-F5344CB8AC3E}">
-        <p14:creationId xmlns:p14="http://schemas.microsoft.com/office/powerpoint/2010/main" val="2145818623"/>
+        <p14:creationId xmlns:p14="http://schemas.microsoft.com/office/powerpoint/2010/main" val="4077537642"/>
       </p:ext>
     </p:extLst>
   </p:cSld>
@@ -5161,18 +5533,380 @@
           <a:chExt cx="0" cy="0"/>
         </a:xfrm>
       </p:grpSpPr>
+      <p:sp>
+        <p:nvSpPr>
+          <p:cNvPr id="6" name="Content Placeholder 5"/>
+          <p:cNvSpPr>
+            <a:spLocks noGrp="1"/>
+          </p:cNvSpPr>
+          <p:nvPr>
+            <p:ph idx="1"/>
+          </p:nvPr>
+        </p:nvSpPr>
+        <p:spPr>
+          <a:xfrm>
+            <a:off x="304800" y="838200"/>
+            <a:ext cx="8534400" cy="5791200"/>
+          </a:xfrm>
+        </p:spPr>
+        <p:txBody>
+          <a:bodyPr anchor="t">
+            <a:noAutofit/>
+          </a:bodyPr>
+          <a:lstStyle/>
+          <a:p>
+            <a:r>
+              <a:rPr lang="en-US" sz="1800" b="1" dirty="0">
+                <a:solidFill>
+                  <a:srgbClr val="FFC000"/>
+                </a:solidFill>
+                <a:effectLst/>
+                <a:latin typeface="Calibri" pitchFamily="34" charset="0"/>
+                <a:cs typeface="Calibri" pitchFamily="34" charset="0"/>
+              </a:rPr>
+              <a:t>Google Maps</a:t>
+            </a:r>
+          </a:p>
+          <a:p>
+            <a:pPr marL="18288" indent="0">
+              <a:buNone/>
+            </a:pPr>
+            <a:r>
+              <a:rPr lang="en-US" sz="1800" b="1" dirty="0" smtClean="0">
+                <a:effectLst/>
+                <a:latin typeface="Calibri" pitchFamily="34" charset="0"/>
+                <a:cs typeface="Calibri" pitchFamily="34" charset="0"/>
+              </a:rPr>
+              <a:t>7744</a:t>
+            </a:r>
+            <a:r>
+              <a:rPr lang="en-US" sz="1800" dirty="0">
+                <a:effectLst/>
+                <a:latin typeface="Calibri" pitchFamily="34" charset="0"/>
+                <a:cs typeface="Calibri" pitchFamily="34" charset="0"/>
+              </a:rPr>
+              <a:t> companies reportedly use </a:t>
+            </a:r>
+            <a:r>
+              <a:rPr lang="en-US" sz="1800" b="1" dirty="0">
+                <a:effectLst/>
+                <a:latin typeface="Calibri" pitchFamily="34" charset="0"/>
+                <a:cs typeface="Calibri" pitchFamily="34" charset="0"/>
+              </a:rPr>
+              <a:t>Google Maps</a:t>
+            </a:r>
+            <a:r>
+              <a:rPr lang="en-US" sz="1800" dirty="0">
+                <a:effectLst/>
+                <a:latin typeface="Calibri" pitchFamily="34" charset="0"/>
+                <a:cs typeface="Calibri" pitchFamily="34" charset="0"/>
+              </a:rPr>
+              <a:t> in their tech stacks, including </a:t>
+            </a:r>
+            <a:r>
+              <a:rPr lang="en-US" sz="1800" b="1" dirty="0">
+                <a:effectLst/>
+                <a:latin typeface="Calibri" pitchFamily="34" charset="0"/>
+                <a:cs typeface="Calibri" pitchFamily="34" charset="0"/>
+              </a:rPr>
+              <a:t>Google, </a:t>
+            </a:r>
+            <a:r>
+              <a:rPr lang="en-US" sz="1800" b="1" dirty="0" err="1">
+                <a:effectLst/>
+                <a:latin typeface="Calibri" pitchFamily="34" charset="0"/>
+                <a:cs typeface="Calibri" pitchFamily="34" charset="0"/>
+              </a:rPr>
+              <a:t>Lyft</a:t>
+            </a:r>
+            <a:r>
+              <a:rPr lang="en-US" sz="1800" b="1" dirty="0">
+                <a:effectLst/>
+                <a:latin typeface="Calibri" pitchFamily="34" charset="0"/>
+                <a:cs typeface="Calibri" pitchFamily="34" charset="0"/>
+              </a:rPr>
+              <a:t>, </a:t>
+            </a:r>
+            <a:r>
+              <a:rPr lang="en-US" sz="1800" dirty="0">
+                <a:effectLst/>
+                <a:latin typeface="Calibri" pitchFamily="34" charset="0"/>
+                <a:cs typeface="Calibri" pitchFamily="34" charset="0"/>
+              </a:rPr>
+              <a:t>and </a:t>
+            </a:r>
+            <a:r>
+              <a:rPr lang="en-US" sz="1800" b="1" dirty="0" err="1">
+                <a:effectLst/>
+                <a:latin typeface="Calibri" pitchFamily="34" charset="0"/>
+                <a:cs typeface="Calibri" pitchFamily="34" charset="0"/>
+              </a:rPr>
+              <a:t>Snapchat</a:t>
+            </a:r>
+            <a:r>
+              <a:rPr lang="en-US" sz="1800" dirty="0">
+                <a:effectLst/>
+                <a:latin typeface="Calibri" pitchFamily="34" charset="0"/>
+                <a:cs typeface="Calibri" pitchFamily="34" charset="0"/>
+              </a:rPr>
+              <a:t>.</a:t>
+            </a:r>
+          </a:p>
+          <a:p>
+            <a:pPr marL="18288" indent="0">
+              <a:buNone/>
+            </a:pPr>
+            <a:endParaRPr lang="en-US" sz="1800" dirty="0" smtClean="0">
+              <a:latin typeface="Calibri" pitchFamily="34" charset="0"/>
+              <a:cs typeface="Calibri" pitchFamily="34" charset="0"/>
+            </a:endParaRPr>
+          </a:p>
+          <a:p>
+            <a:r>
+              <a:rPr lang="en-US" sz="1800" b="1" dirty="0">
+                <a:solidFill>
+                  <a:srgbClr val="FFC000"/>
+                </a:solidFill>
+                <a:effectLst/>
+                <a:latin typeface="Calibri" pitchFamily="34" charset="0"/>
+                <a:cs typeface="Calibri" pitchFamily="34" charset="0"/>
+              </a:rPr>
+              <a:t>G Pay</a:t>
+            </a:r>
+          </a:p>
+          <a:p>
+            <a:pPr marL="18288" indent="0">
+              <a:buNone/>
+            </a:pPr>
+            <a:r>
+              <a:rPr lang="en-US" sz="1800" dirty="0">
+                <a:effectLst/>
+                <a:latin typeface="Calibri" pitchFamily="34" charset="0"/>
+                <a:cs typeface="Calibri" pitchFamily="34" charset="0"/>
+              </a:rPr>
+              <a:t>Google Pay lets your customers pay with the press of a button — using payment methods saved to their Google Account</a:t>
+            </a:r>
+            <a:r>
+              <a:rPr lang="en-US" sz="1800" dirty="0" smtClean="0">
+                <a:effectLst/>
+                <a:latin typeface="Calibri" pitchFamily="34" charset="0"/>
+                <a:cs typeface="Calibri" pitchFamily="34" charset="0"/>
+              </a:rPr>
+              <a:t>.</a:t>
+            </a:r>
+          </a:p>
+          <a:p>
+            <a:pPr marL="18288" indent="0">
+              <a:buNone/>
+            </a:pPr>
+            <a:r>
+              <a:rPr lang="en-US" sz="1800" b="1" dirty="0" smtClean="0">
+                <a:effectLst/>
+                <a:latin typeface="Calibri" pitchFamily="34" charset="0"/>
+                <a:cs typeface="Calibri" pitchFamily="34" charset="0"/>
+              </a:rPr>
+              <a:t>airbnb11x </a:t>
+            </a:r>
+            <a:r>
+              <a:rPr lang="en-US" sz="1800" b="1" dirty="0">
+                <a:effectLst/>
+                <a:latin typeface="Calibri" pitchFamily="34" charset="0"/>
+                <a:cs typeface="Calibri" pitchFamily="34" charset="0"/>
+              </a:rPr>
+              <a:t>increase</a:t>
+            </a:r>
+            <a:r>
+              <a:rPr lang="en-US" sz="1800" dirty="0">
+                <a:effectLst/>
+                <a:latin typeface="Calibri" pitchFamily="34" charset="0"/>
+                <a:cs typeface="Calibri" pitchFamily="34" charset="0"/>
+              </a:rPr>
+              <a:t> in average daily transaction volume facilitated by Google Pay</a:t>
+            </a:r>
+            <a:r>
+              <a:rPr lang="en-US" sz="1800" dirty="0" smtClean="0">
+                <a:effectLst/>
+                <a:latin typeface="Calibri" pitchFamily="34" charset="0"/>
+                <a:cs typeface="Calibri" pitchFamily="34" charset="0"/>
+              </a:rPr>
+              <a:t>.</a:t>
+            </a:r>
+          </a:p>
+          <a:p>
+            <a:pPr marL="18288" indent="0">
+              <a:buNone/>
+            </a:pPr>
+            <a:r>
+              <a:rPr lang="en-US" sz="1800" b="1" dirty="0" smtClean="0">
+                <a:effectLst/>
+                <a:latin typeface="Calibri" pitchFamily="34" charset="0"/>
+                <a:cs typeface="Calibri" pitchFamily="34" charset="0"/>
+              </a:rPr>
+              <a:t>Hotel Tonight 65</a:t>
+            </a:r>
+            <a:r>
+              <a:rPr lang="en-US" sz="1800" b="1" dirty="0">
+                <a:effectLst/>
+                <a:latin typeface="Calibri" pitchFamily="34" charset="0"/>
+                <a:cs typeface="Calibri" pitchFamily="34" charset="0"/>
+              </a:rPr>
+              <a:t>% increase</a:t>
+            </a:r>
+            <a:r>
+              <a:rPr lang="en-US" sz="1800" dirty="0">
+                <a:effectLst/>
+                <a:latin typeface="Calibri" pitchFamily="34" charset="0"/>
+                <a:cs typeface="Calibri" pitchFamily="34" charset="0"/>
+              </a:rPr>
+              <a:t> more likely to complete the booking flow with Google Pay.</a:t>
+            </a:r>
+            <a:endParaRPr lang="en-US" sz="1800" dirty="0" smtClean="0">
+              <a:effectLst/>
+              <a:latin typeface="Calibri" pitchFamily="34" charset="0"/>
+              <a:cs typeface="Calibri" pitchFamily="34" charset="0"/>
+            </a:endParaRPr>
+          </a:p>
+          <a:p>
+            <a:pPr marL="18288" indent="0">
+              <a:buNone/>
+            </a:pPr>
+            <a:endParaRPr lang="en-US" sz="1800" dirty="0">
+              <a:latin typeface="Calibri" pitchFamily="34" charset="0"/>
+              <a:cs typeface="Calibri" pitchFamily="34" charset="0"/>
+            </a:endParaRPr>
+          </a:p>
+          <a:p>
+            <a:r>
+              <a:rPr lang="en-US" sz="1800" b="1" dirty="0">
+                <a:solidFill>
+                  <a:srgbClr val="FFC000"/>
+                </a:solidFill>
+                <a:effectLst/>
+                <a:latin typeface="Calibri" pitchFamily="34" charset="0"/>
+                <a:cs typeface="Calibri" pitchFamily="34" charset="0"/>
+              </a:rPr>
+              <a:t>Google Analytics</a:t>
+            </a:r>
+          </a:p>
+          <a:p>
+            <a:pPr marL="18288" indent="0">
+              <a:buNone/>
+            </a:pPr>
+            <a:r>
+              <a:rPr lang="en-US" sz="1800" dirty="0">
+                <a:latin typeface="Calibri" pitchFamily="34" charset="0"/>
+                <a:cs typeface="Calibri" pitchFamily="34" charset="0"/>
+              </a:rPr>
+              <a:t> </a:t>
+            </a:r>
+            <a:r>
+              <a:rPr lang="en-US" sz="1800" dirty="0">
+                <a:effectLst/>
+                <a:latin typeface="Calibri" pitchFamily="34" charset="0"/>
+                <a:cs typeface="Calibri" pitchFamily="34" charset="0"/>
+              </a:rPr>
+              <a:t>Google Analytics APIs for enterprise allows IT teams to programmatically setup and configure Google Analytics accounts, saving time, and allowing you to spend more time analyzing data</a:t>
+            </a:r>
+            <a:r>
+              <a:rPr lang="en-US" sz="1800" dirty="0" smtClean="0">
+                <a:effectLst/>
+                <a:latin typeface="Calibri" pitchFamily="34" charset="0"/>
+                <a:cs typeface="Calibri" pitchFamily="34" charset="0"/>
+              </a:rPr>
+              <a:t>.</a:t>
+            </a:r>
+          </a:p>
+          <a:p>
+            <a:pPr marL="18288" indent="0">
+              <a:buNone/>
+            </a:pPr>
+            <a:endParaRPr lang="en-US" sz="1800" dirty="0" smtClean="0">
+              <a:effectLst/>
+              <a:latin typeface="Calibri" pitchFamily="34" charset="0"/>
+              <a:cs typeface="Calibri" pitchFamily="34" charset="0"/>
+            </a:endParaRPr>
+          </a:p>
+          <a:p>
+            <a:pPr marL="18288" indent="0">
+              <a:buNone/>
+            </a:pPr>
+            <a:endParaRPr lang="en-US" sz="1800" dirty="0">
+              <a:effectLst/>
+              <a:latin typeface="Calibri" pitchFamily="34" charset="0"/>
+              <a:cs typeface="Calibri" pitchFamily="34" charset="0"/>
+            </a:endParaRPr>
+          </a:p>
+        </p:txBody>
+      </p:sp>
+      <p:sp>
+        <p:nvSpPr>
+          <p:cNvPr id="5" name="Title 4"/>
+          <p:cNvSpPr>
+            <a:spLocks noGrp="1"/>
+          </p:cNvSpPr>
+          <p:nvPr>
+            <p:ph type="title"/>
+          </p:nvPr>
+        </p:nvSpPr>
+        <p:spPr>
+          <a:xfrm>
+            <a:off x="152400" y="-152400"/>
+            <a:ext cx="8763000" cy="914400"/>
+          </a:xfrm>
+        </p:spPr>
+        <p:txBody>
+          <a:bodyPr/>
+          <a:lstStyle/>
+          <a:p>
+            <a:r>
+              <a:rPr lang="en-US" sz="3200" dirty="0" smtClean="0">
+                <a:effectLst/>
+              </a:rPr>
+              <a:t>Google</a:t>
+            </a:r>
+            <a:endParaRPr lang="en-US" sz="3200" dirty="0">
+              <a:effectLst/>
+            </a:endParaRPr>
+          </a:p>
+        </p:txBody>
+      </p:sp>
+      <p:sp>
+        <p:nvSpPr>
+          <p:cNvPr id="10" name="Footer Placeholder 9"/>
+          <p:cNvSpPr>
+            <a:spLocks noGrp="1"/>
+          </p:cNvSpPr>
+          <p:nvPr>
+            <p:ph type="ftr" sz="quarter" idx="12"/>
+          </p:nvPr>
+        </p:nvSpPr>
+        <p:spPr/>
+        <p:txBody>
+          <a:bodyPr/>
+          <a:lstStyle/>
+          <a:p>
+            <a:r>
+              <a:rPr lang="en-US" dirty="0" err="1" smtClean="0"/>
+              <a:t>Ap</a:t>
+            </a:r>
+            <a:r>
+              <a:rPr lang="en-US" dirty="0" smtClean="0"/>
+              <a:t> &amp; Micro Services Test Automation</a:t>
+            </a:r>
+            <a:endParaRPr lang="en-US" dirty="0"/>
+          </a:p>
+        </p:txBody>
+      </p:sp>
       <p:pic>
         <p:nvPicPr>
-          <p:cNvPr id="4" name="Content Placeholder 3"/>
+          <p:cNvPr id="2" name="Picture 1"/>
           <p:cNvPicPr>
-            <a:picLocks noGrp="1" noChangeAspect="1"/>
+            <a:picLocks noChangeAspect="1"/>
           </p:cNvPicPr>
-          <p:nvPr>
-            <p:ph idx="1"/>
-          </p:nvPr>
+          <p:nvPr/>
         </p:nvPicPr>
         <p:blipFill>
-          <a:blip r:embed="rId2">
+          <a:blip r:embed="rId2" cstate="print">
             <a:extLst>
               <a:ext uri="{28A0092B-C50C-407E-A947-70E740481C1C}">
                 <a14:useLocalDpi xmlns:a14="http://schemas.microsoft.com/office/drawing/2010/main" val="0"/>
@@ -5185,66 +5919,138 @@
         </p:blipFill>
         <p:spPr>
           <a:xfrm>
-            <a:off x="1828800" y="1447800"/>
-            <a:ext cx="5715811" cy="5078718"/>
-          </a:xfrm>
+            <a:off x="1676400" y="190501"/>
+            <a:ext cx="533400" cy="533400"/>
+          </a:xfrm>
+          <a:prstGeom prst="rect">
+            <a:avLst/>
+          </a:prstGeom>
         </p:spPr>
       </p:pic>
-      <p:sp>
-        <p:nvSpPr>
-          <p:cNvPr id="3" name="Title 2"/>
-          <p:cNvSpPr>
-            <a:spLocks noGrp="1"/>
-          </p:cNvSpPr>
-          <p:nvPr>
-            <p:ph type="title"/>
-          </p:nvPr>
-        </p:nvSpPr>
+      <p:pic>
+        <p:nvPicPr>
+          <p:cNvPr id="3" name="Picture 2"/>
+          <p:cNvPicPr>
+            <a:picLocks noChangeAspect="1"/>
+          </p:cNvPicPr>
+          <p:nvPr/>
+        </p:nvPicPr>
+        <p:blipFill>
+          <a:blip r:embed="rId3" cstate="print">
+            <a:extLst>
+              <a:ext uri="{28A0092B-C50C-407E-A947-70E740481C1C}">
+                <a14:useLocalDpi xmlns:a14="http://schemas.microsoft.com/office/drawing/2010/main" val="0"/>
+              </a:ext>
+            </a:extLst>
+          </a:blip>
+          <a:stretch>
+            <a:fillRect/>
+          </a:stretch>
+        </p:blipFill>
         <p:spPr>
           <a:xfrm>
-            <a:off x="457200" y="381000"/>
-            <a:ext cx="7543800" cy="914400"/>
-          </a:xfrm>
-        </p:spPr>
-        <p:txBody>
-          <a:bodyPr/>
-          <a:lstStyle/>
-          <a:p>
-            <a:r>
-              <a:rPr lang="en-US" sz="3200" dirty="0" smtClean="0"/>
-              <a:t>Still confused??</a:t>
-            </a:r>
-            <a:endParaRPr lang="en-US" sz="3200" dirty="0"/>
-          </a:p>
-        </p:txBody>
-      </p:sp>
-      <p:sp>
-        <p:nvSpPr>
-          <p:cNvPr id="5" name="Footer Placeholder 4"/>
-          <p:cNvSpPr>
-            <a:spLocks noGrp="1"/>
-          </p:cNvSpPr>
-          <p:nvPr>
-            <p:ph type="ftr" sz="quarter" idx="12"/>
-          </p:nvPr>
-        </p:nvSpPr>
-        <p:spPr/>
-        <p:txBody>
-          <a:bodyPr/>
-          <a:lstStyle/>
-          <a:p>
-            <a:r>
-              <a:rPr lang="en-US" smtClean="0"/>
-              <a:t>Api &amp; Micro Services Test Automation</a:t>
-            </a:r>
-            <a:endParaRPr lang="en-US"/>
-          </a:p>
-        </p:txBody>
-      </p:sp>
+            <a:off x="457200" y="5280306"/>
+            <a:ext cx="685800" cy="685800"/>
+          </a:xfrm>
+          <a:prstGeom prst="rect">
+            <a:avLst/>
+          </a:prstGeom>
+        </p:spPr>
+      </p:pic>
+      <p:pic>
+        <p:nvPicPr>
+          <p:cNvPr id="4" name="Picture 3"/>
+          <p:cNvPicPr>
+            <a:picLocks noChangeAspect="1"/>
+          </p:cNvPicPr>
+          <p:nvPr/>
+        </p:nvPicPr>
+        <p:blipFill>
+          <a:blip r:embed="rId4" cstate="print">
+            <a:extLst>
+              <a:ext uri="{28A0092B-C50C-407E-A947-70E740481C1C}">
+                <a14:useLocalDpi xmlns:a14="http://schemas.microsoft.com/office/drawing/2010/main" val="0"/>
+              </a:ext>
+            </a:extLst>
+          </a:blip>
+          <a:stretch>
+            <a:fillRect/>
+          </a:stretch>
+        </p:blipFill>
+        <p:spPr>
+          <a:xfrm>
+            <a:off x="1390650" y="5309534"/>
+            <a:ext cx="571500" cy="627344"/>
+          </a:xfrm>
+          <a:prstGeom prst="rect">
+            <a:avLst/>
+          </a:prstGeom>
+        </p:spPr>
+      </p:pic>
+      <p:pic>
+        <p:nvPicPr>
+          <p:cNvPr id="7" name="Picture 6"/>
+          <p:cNvPicPr>
+            <a:picLocks noChangeAspect="1"/>
+          </p:cNvPicPr>
+          <p:nvPr/>
+        </p:nvPicPr>
+        <p:blipFill>
+          <a:blip r:embed="rId5" cstate="print">
+            <a:extLst>
+              <a:ext uri="{28A0092B-C50C-407E-A947-70E740481C1C}">
+                <a14:useLocalDpi xmlns:a14="http://schemas.microsoft.com/office/drawing/2010/main" val="0"/>
+              </a:ext>
+            </a:extLst>
+          </a:blip>
+          <a:stretch>
+            <a:fillRect/>
+          </a:stretch>
+        </p:blipFill>
+        <p:spPr>
+          <a:xfrm>
+            <a:off x="2247900" y="5237443"/>
+            <a:ext cx="723900" cy="728663"/>
+          </a:xfrm>
+          <a:prstGeom prst="rect">
+            <a:avLst/>
+          </a:prstGeom>
+        </p:spPr>
+      </p:pic>
+      <p:pic>
+        <p:nvPicPr>
+          <p:cNvPr id="8" name="Picture 7"/>
+          <p:cNvPicPr>
+            <a:picLocks noChangeAspect="1"/>
+          </p:cNvPicPr>
+          <p:nvPr/>
+        </p:nvPicPr>
+        <p:blipFill>
+          <a:blip r:embed="rId6" cstate="print">
+            <a:extLst>
+              <a:ext uri="{28A0092B-C50C-407E-A947-70E740481C1C}">
+                <a14:useLocalDpi xmlns:a14="http://schemas.microsoft.com/office/drawing/2010/main" val="0"/>
+              </a:ext>
+            </a:extLst>
+          </a:blip>
+          <a:stretch>
+            <a:fillRect/>
+          </a:stretch>
+        </p:blipFill>
+        <p:spPr>
+          <a:xfrm>
+            <a:off x="3257550" y="5237443"/>
+            <a:ext cx="685800" cy="699435"/>
+          </a:xfrm>
+          <a:prstGeom prst="rect">
+            <a:avLst/>
+          </a:prstGeom>
+        </p:spPr>
+      </p:pic>
     </p:spTree>
     <p:extLst>
       <p:ext uri="{BB962C8B-B14F-4D97-AF65-F5344CB8AC3E}">
-        <p14:creationId xmlns:p14="http://schemas.microsoft.com/office/powerpoint/2010/main" val="2370951925"/>
+        <p14:creationId xmlns:p14="http://schemas.microsoft.com/office/powerpoint/2010/main" val="4149384381"/>
       </p:ext>
     </p:extLst>
   </p:cSld>
@@ -5280,7 +6086,7 @@
       </p:grpSpPr>
       <p:pic>
         <p:nvPicPr>
-          <p:cNvPr id="4" name="Content Placeholder 3"/>
+          <p:cNvPr id="2" name="Content Placeholder 1"/>
           <p:cNvPicPr>
             <a:picLocks noGrp="1" noChangeAspect="1"/>
           </p:cNvPicPr>
@@ -5302,14 +6108,14 @@
         </p:blipFill>
         <p:spPr>
           <a:xfrm>
-            <a:off x="152400" y="1600200"/>
-            <a:ext cx="8817078" cy="4456458"/>
+            <a:off x="609600" y="1355165"/>
+            <a:ext cx="7924800" cy="5198035"/>
           </a:xfrm>
         </p:spPr>
       </p:pic>
       <p:sp>
         <p:nvSpPr>
-          <p:cNvPr id="3" name="Title 2"/>
+          <p:cNvPr id="4" name="Title 3"/>
           <p:cNvSpPr>
             <a:spLocks noGrp="1"/>
           </p:cNvSpPr>
@@ -5319,7 +6125,7 @@
         </p:nvSpPr>
         <p:spPr>
           <a:xfrm>
-            <a:off x="457200" y="304800"/>
+            <a:off x="762000" y="152400"/>
             <a:ext cx="7543800" cy="914400"/>
           </a:xfrm>
         </p:spPr>
@@ -5329,7 +6135,7 @@
           <a:p>
             <a:r>
               <a:rPr lang="en-US" sz="3200" dirty="0" smtClean="0"/>
-              <a:t>Popularity : Soap &amp; REST</a:t>
+              <a:t>Real world business cases </a:t>
             </a:r>
             <a:endParaRPr lang="en-US" sz="3200" dirty="0"/>
           </a:p>
@@ -5337,7 +6143,7 @@
       </p:sp>
       <p:sp>
         <p:nvSpPr>
-          <p:cNvPr id="5" name="Footer Placeholder 4"/>
+          <p:cNvPr id="3" name="Footer Placeholder 2"/>
           <p:cNvSpPr>
             <a:spLocks noGrp="1"/>
           </p:cNvSpPr>
@@ -5361,7 +6167,7 @@
     </p:spTree>
     <p:extLst>
       <p:ext uri="{BB962C8B-B14F-4D97-AF65-F5344CB8AC3E}">
-        <p14:creationId xmlns:p14="http://schemas.microsoft.com/office/powerpoint/2010/main" val="4152925392"/>
+        <p14:creationId xmlns:p14="http://schemas.microsoft.com/office/powerpoint/2010/main" val="3657315786"/>
       </p:ext>
     </p:extLst>
   </p:cSld>
@@ -5395,9 +6201,37 @@
           <a:chExt cx="0" cy="0"/>
         </a:xfrm>
       </p:grpSpPr>
+      <p:sp>
+        <p:nvSpPr>
+          <p:cNvPr id="4" name="Title 3"/>
+          <p:cNvSpPr>
+            <a:spLocks noGrp="1"/>
+          </p:cNvSpPr>
+          <p:nvPr>
+            <p:ph type="title"/>
+          </p:nvPr>
+        </p:nvSpPr>
+        <p:spPr>
+          <a:xfrm>
+            <a:off x="762000" y="152400"/>
+            <a:ext cx="7543800" cy="914400"/>
+          </a:xfrm>
+        </p:spPr>
+        <p:txBody>
+          <a:bodyPr/>
+          <a:lstStyle/>
+          <a:p>
+            <a:r>
+              <a:rPr lang="en-US" sz="3200" dirty="0" smtClean="0"/>
+              <a:t>Top Companies Exposing APIs</a:t>
+            </a:r>
+            <a:endParaRPr lang="en-US" sz="3200" dirty="0"/>
+          </a:p>
+        </p:txBody>
+      </p:sp>
       <p:pic>
         <p:nvPicPr>
-          <p:cNvPr id="4" name="Content Placeholder 3"/>
+          <p:cNvPr id="5" name="Content Placeholder 4"/>
           <p:cNvPicPr>
             <a:picLocks noGrp="1" noChangeAspect="1"/>
           </p:cNvPicPr>
@@ -5419,42 +6253,14 @@
         </p:blipFill>
         <p:spPr>
           <a:xfrm>
-            <a:off x="304800" y="1371600"/>
-            <a:ext cx="8534400" cy="5029200"/>
+            <a:off x="609600" y="1186898"/>
+            <a:ext cx="7924800" cy="5442502"/>
           </a:xfrm>
         </p:spPr>
       </p:pic>
       <p:sp>
         <p:nvSpPr>
-          <p:cNvPr id="3" name="Title 2"/>
-          <p:cNvSpPr>
-            <a:spLocks noGrp="1"/>
-          </p:cNvSpPr>
-          <p:nvPr>
-            <p:ph type="title"/>
-          </p:nvPr>
-        </p:nvSpPr>
-        <p:spPr>
-          <a:xfrm>
-            <a:off x="609600" y="304800"/>
-            <a:ext cx="7482840" cy="914400"/>
-          </a:xfrm>
-        </p:spPr>
-        <p:txBody>
-          <a:bodyPr/>
-          <a:lstStyle/>
-          <a:p>
-            <a:r>
-              <a:rPr lang="en-US" sz="3200" dirty="0" smtClean="0"/>
-              <a:t>Testing : UI or API ?</a:t>
-            </a:r>
-            <a:endParaRPr lang="en-US" sz="3200" dirty="0"/>
-          </a:p>
-        </p:txBody>
-      </p:sp>
-      <p:sp>
-        <p:nvSpPr>
-          <p:cNvPr id="5" name="Footer Placeholder 4"/>
+          <p:cNvPr id="6" name="Footer Placeholder 5"/>
           <p:cNvSpPr>
             <a:spLocks noGrp="1"/>
           </p:cNvSpPr>
@@ -5478,7 +6284,7 @@
     </p:spTree>
     <p:extLst>
       <p:ext uri="{BB962C8B-B14F-4D97-AF65-F5344CB8AC3E}">
-        <p14:creationId xmlns:p14="http://schemas.microsoft.com/office/powerpoint/2010/main" val="3775555293"/>
+        <p14:creationId xmlns:p14="http://schemas.microsoft.com/office/powerpoint/2010/main" val="2145818623"/>
       </p:ext>
     </p:extLst>
   </p:cSld>
@@ -5523,7 +6329,7 @@
           </p:nvPr>
         </p:nvPicPr>
         <p:blipFill>
-          <a:blip r:embed="rId2" cstate="print">
+          <a:blip r:embed="rId2">
             <a:extLst>
               <a:ext uri="{28A0092B-C50C-407E-A947-70E740481C1C}">
                 <a14:useLocalDpi xmlns:a14="http://schemas.microsoft.com/office/drawing/2010/main" val="0"/>
@@ -5536,8 +6342,8 @@
         </p:blipFill>
         <p:spPr>
           <a:xfrm>
-            <a:off x="304800" y="1250448"/>
-            <a:ext cx="8633282" cy="5378951"/>
+            <a:off x="1828800" y="1447800"/>
+            <a:ext cx="5715811" cy="5078718"/>
           </a:xfrm>
         </p:spPr>
       </p:pic>
@@ -5553,7 +6359,7 @@
         </p:nvSpPr>
         <p:spPr>
           <a:xfrm>
-            <a:off x="762000" y="381000"/>
+            <a:off x="457200" y="381000"/>
             <a:ext cx="7543800" cy="914400"/>
           </a:xfrm>
         </p:spPr>
@@ -5563,7 +6369,7 @@
           <a:p>
             <a:r>
               <a:rPr lang="en-US" sz="3200" dirty="0" smtClean="0"/>
-              <a:t>Top API Testing Tools</a:t>
+              <a:t>Still confused??</a:t>
             </a:r>
             <a:endParaRPr lang="en-US" sz="3200" dirty="0"/>
           </a:p>
@@ -5595,7 +6401,7 @@
     </p:spTree>
     <p:extLst>
       <p:ext uri="{BB962C8B-B14F-4D97-AF65-F5344CB8AC3E}">
-        <p14:creationId xmlns:p14="http://schemas.microsoft.com/office/powerpoint/2010/main" val="3707931638"/>
+        <p14:creationId xmlns:p14="http://schemas.microsoft.com/office/powerpoint/2010/main" val="2370951925"/>
       </p:ext>
     </p:extLst>
   </p:cSld>
@@ -5629,128 +6435,66 @@
           <a:chExt cx="0" cy="0"/>
         </a:xfrm>
       </p:grpSpPr>
-      <p:sp>
-        <p:nvSpPr>
-          <p:cNvPr id="2" name="Content Placeholder 1"/>
-          <p:cNvSpPr>
-            <a:spLocks noGrp="1"/>
-          </p:cNvSpPr>
+      <p:pic>
+        <p:nvPicPr>
+          <p:cNvPr id="4" name="Content Placeholder 3"/>
+          <p:cNvPicPr>
+            <a:picLocks noGrp="1" noChangeAspect="1"/>
+          </p:cNvPicPr>
           <p:nvPr>
             <p:ph idx="1"/>
           </p:nvPr>
-        </p:nvSpPr>
-        <p:spPr/>
+        </p:nvPicPr>
+        <p:blipFill>
+          <a:blip r:embed="rId2">
+            <a:extLst>
+              <a:ext uri="{28A0092B-C50C-407E-A947-70E740481C1C}">
+                <a14:useLocalDpi xmlns:a14="http://schemas.microsoft.com/office/drawing/2010/main" val="0"/>
+              </a:ext>
+            </a:extLst>
+          </a:blip>
+          <a:stretch>
+            <a:fillRect/>
+          </a:stretch>
+        </p:blipFill>
+        <p:spPr>
+          <a:xfrm>
+            <a:off x="152400" y="1600200"/>
+            <a:ext cx="8817078" cy="4456458"/>
+          </a:xfrm>
+        </p:spPr>
+      </p:pic>
+      <p:sp>
+        <p:nvSpPr>
+          <p:cNvPr id="3" name="Title 2"/>
+          <p:cNvSpPr>
+            <a:spLocks noGrp="1"/>
+          </p:cNvSpPr>
+          <p:nvPr>
+            <p:ph type="title"/>
+          </p:nvPr>
+        </p:nvSpPr>
+        <p:spPr>
+          <a:xfrm>
+            <a:off x="457200" y="304800"/>
+            <a:ext cx="7543800" cy="914400"/>
+          </a:xfrm>
+        </p:spPr>
         <p:txBody>
           <a:bodyPr/>
           <a:lstStyle/>
           <a:p>
             <a:r>
-              <a:rPr lang="en-US" dirty="0">
-                <a:effectLst/>
-                <a:hlinkClick r:id="rId2"/>
-              </a:rPr>
-              <a:t>https://</a:t>
-            </a:r>
-            <a:r>
-              <a:rPr lang="en-US" dirty="0" smtClean="0">
-                <a:effectLst/>
-                <a:hlinkClick r:id="rId2"/>
-              </a:rPr>
-              <a:t>g.co/kgs/ngMt6N</a:t>
-            </a:r>
-            <a:endParaRPr lang="en-US" dirty="0" smtClean="0">
-              <a:effectLst/>
-            </a:endParaRPr>
-          </a:p>
-          <a:p>
-            <a:r>
-              <a:rPr lang="en-US" dirty="0">
-                <a:hlinkClick r:id="rId3"/>
-              </a:rPr>
-              <a:t>https://</a:t>
-            </a:r>
-            <a:r>
-              <a:rPr lang="en-US" dirty="0" smtClean="0">
-                <a:hlinkClick r:id="rId3"/>
-              </a:rPr>
-              <a:t>www.naukri.com/job-listings-Automation-Test-Engineer-Oracle-India-Pvt-Ltd-Bengaluru-4-to-6-years-250719000742?src=cluster&amp;sid=15738512521297&amp;xp=32&amp;px=1</a:t>
-            </a:r>
-            <a:endParaRPr lang="en-US" dirty="0" smtClean="0"/>
-          </a:p>
-          <a:p>
-            <a:r>
-              <a:rPr lang="en-US" dirty="0">
-                <a:effectLst/>
-                <a:hlinkClick r:id="rId4"/>
-              </a:rPr>
-              <a:t>https://</a:t>
-            </a:r>
-            <a:r>
-              <a:rPr lang="en-US" dirty="0" smtClean="0">
-                <a:effectLst/>
-                <a:hlinkClick r:id="rId4"/>
-              </a:rPr>
-              <a:t>g.co/kgs/nL6vPe</a:t>
-            </a:r>
-            <a:endParaRPr lang="en-US" dirty="0" smtClean="0">
-              <a:effectLst/>
-            </a:endParaRPr>
-          </a:p>
-          <a:p>
-            <a:r>
-              <a:rPr lang="en-US" dirty="0">
-                <a:effectLst/>
-                <a:hlinkClick r:id="rId5"/>
-              </a:rPr>
-              <a:t>https://</a:t>
-            </a:r>
-            <a:r>
-              <a:rPr lang="en-US" dirty="0" smtClean="0">
-                <a:effectLst/>
-                <a:hlinkClick r:id="rId5"/>
-              </a:rPr>
-              <a:t>g.co/kgs/9id2Es</a:t>
-            </a:r>
-            <a:endParaRPr lang="en-US" dirty="0" smtClean="0">
-              <a:effectLst/>
-            </a:endParaRPr>
-          </a:p>
-          <a:p>
-            <a:endParaRPr lang="en-US" dirty="0"/>
-          </a:p>
-        </p:txBody>
-      </p:sp>
-      <p:sp>
-        <p:nvSpPr>
-          <p:cNvPr id="3" name="Title 2"/>
-          <p:cNvSpPr>
-            <a:spLocks noGrp="1"/>
-          </p:cNvSpPr>
-          <p:nvPr>
-            <p:ph type="title"/>
-          </p:nvPr>
-        </p:nvSpPr>
-        <p:spPr>
-          <a:xfrm>
-            <a:off x="777240" y="4800600"/>
-            <a:ext cx="7543800" cy="914400"/>
-          </a:xfrm>
-        </p:spPr>
-        <p:txBody>
-          <a:bodyPr/>
-          <a:lstStyle/>
-          <a:p>
-            <a:r>
-              <a:rPr lang="en-US" dirty="0" smtClean="0"/>
-              <a:t>Job Profiles</a:t>
-            </a:r>
-            <a:endParaRPr lang="en-US" dirty="0"/>
-          </a:p>
-        </p:txBody>
-      </p:sp>
-      <p:sp>
-        <p:nvSpPr>
-          <p:cNvPr id="4" name="Footer Placeholder 3"/>
+              <a:rPr lang="en-US" sz="3200" dirty="0" smtClean="0"/>
+              <a:t>Popularity : Soap &amp; REST</a:t>
+            </a:r>
+            <a:endParaRPr lang="en-US" sz="3200" dirty="0"/>
+          </a:p>
+        </p:txBody>
+      </p:sp>
+      <p:sp>
+        <p:nvSpPr>
+          <p:cNvPr id="5" name="Footer Placeholder 4"/>
           <p:cNvSpPr>
             <a:spLocks noGrp="1"/>
           </p:cNvSpPr>
@@ -5774,7 +6518,7 @@
     </p:spTree>
     <p:extLst>
       <p:ext uri="{BB962C8B-B14F-4D97-AF65-F5344CB8AC3E}">
-        <p14:creationId xmlns:p14="http://schemas.microsoft.com/office/powerpoint/2010/main" val="2377914117"/>
+        <p14:creationId xmlns:p14="http://schemas.microsoft.com/office/powerpoint/2010/main" val="4152925392"/>
       </p:ext>
     </p:extLst>
   </p:cSld>
@@ -5810,7 +6554,7 @@
       </p:grpSpPr>
       <p:sp>
         <p:nvSpPr>
-          <p:cNvPr id="5" name="Title 4"/>
+          <p:cNvPr id="3" name="Title 2"/>
           <p:cNvSpPr>
             <a:spLocks noGrp="1"/>
           </p:cNvSpPr>
@@ -5820,8 +6564,8 @@
         </p:nvSpPr>
         <p:spPr>
           <a:xfrm>
-            <a:off x="533400" y="762000"/>
-            <a:ext cx="7543800" cy="914400"/>
+            <a:off x="609600" y="304800"/>
+            <a:ext cx="7482840" cy="914400"/>
           </a:xfrm>
         </p:spPr>
         <p:txBody>
@@ -5829,16 +6573,16 @@
           <a:lstStyle/>
           <a:p>
             <a:r>
-              <a:rPr lang="en-US" dirty="0" smtClean="0"/>
-              <a:t>Demo</a:t>
-            </a:r>
-            <a:endParaRPr lang="en-US" dirty="0"/>
-          </a:p>
-        </p:txBody>
-      </p:sp>
-      <p:sp>
-        <p:nvSpPr>
-          <p:cNvPr id="4" name="Footer Placeholder 3"/>
+              <a:rPr lang="en-US" sz="3200" dirty="0" smtClean="0"/>
+              <a:t>Testing : UI or API ?</a:t>
+            </a:r>
+            <a:endParaRPr lang="en-US" sz="3200" dirty="0"/>
+          </a:p>
+        </p:txBody>
+      </p:sp>
+      <p:sp>
+        <p:nvSpPr>
+          <p:cNvPr id="5" name="Footer Placeholder 4"/>
           <p:cNvSpPr>
             <a:spLocks noGrp="1"/>
           </p:cNvSpPr>
@@ -5859,10 +6603,156 @@
           </a:p>
         </p:txBody>
       </p:sp>
+      <p:pic>
+        <p:nvPicPr>
+          <p:cNvPr id="4" name="Content Placeholder 3"/>
+          <p:cNvPicPr>
+            <a:picLocks noGrp="1" noChangeAspect="1"/>
+          </p:cNvPicPr>
+          <p:nvPr>
+            <p:ph idx="1"/>
+          </p:nvPr>
+        </p:nvPicPr>
+        <p:blipFill>
+          <a:blip r:embed="rId2">
+            <a:extLst>
+              <a:ext uri="{28A0092B-C50C-407E-A947-70E740481C1C}">
+                <a14:useLocalDpi xmlns:a14="http://schemas.microsoft.com/office/drawing/2010/main" val="0"/>
+              </a:ext>
+            </a:extLst>
+          </a:blip>
+          <a:stretch>
+            <a:fillRect/>
+          </a:stretch>
+        </p:blipFill>
+        <p:spPr>
+          <a:xfrm>
+            <a:off x="608614" y="1447800"/>
+            <a:ext cx="7544786" cy="4343400"/>
+          </a:xfrm>
+        </p:spPr>
+      </p:pic>
     </p:spTree>
     <p:extLst>
       <p:ext uri="{BB962C8B-B14F-4D97-AF65-F5344CB8AC3E}">
-        <p14:creationId xmlns:p14="http://schemas.microsoft.com/office/powerpoint/2010/main" val="2168141681"/>
+        <p14:creationId xmlns:p14="http://schemas.microsoft.com/office/powerpoint/2010/main" val="3319521802"/>
+      </p:ext>
+    </p:extLst>
+  </p:cSld>
+  <p:clrMapOvr>
+    <a:masterClrMapping/>
+  </p:clrMapOvr>
+  <p:timing>
+    <p:tnLst>
+      <p:par>
+        <p:cTn id="1" dur="indefinite" restart="never" nodeType="tmRoot"/>
+      </p:par>
+    </p:tnLst>
+  </p:timing>
+</p:sld>
+</file>
+
+<file path=ppt/slides/slide19.xml><?xml version="1.0" encoding="utf-8"?>
+<p:sld xmlns:a="http://schemas.openxmlformats.org/drawingml/2006/main" xmlns:r="http://schemas.openxmlformats.org/officeDocument/2006/relationships" xmlns:p="http://schemas.openxmlformats.org/presentationml/2006/main">
+  <p:cSld>
+    <p:spTree>
+      <p:nvGrpSpPr>
+        <p:cNvPr id="1" name=""/>
+        <p:cNvGrpSpPr/>
+        <p:nvPr/>
+      </p:nvGrpSpPr>
+      <p:grpSpPr>
+        <a:xfrm>
+          <a:off x="0" y="0"/>
+          <a:ext cx="0" cy="0"/>
+          <a:chOff x="0" y="0"/>
+          <a:chExt cx="0" cy="0"/>
+        </a:xfrm>
+      </p:grpSpPr>
+      <p:sp>
+        <p:nvSpPr>
+          <p:cNvPr id="3" name="Title 2"/>
+          <p:cNvSpPr>
+            <a:spLocks noGrp="1"/>
+          </p:cNvSpPr>
+          <p:nvPr>
+            <p:ph type="title"/>
+          </p:nvPr>
+        </p:nvSpPr>
+        <p:spPr>
+          <a:xfrm>
+            <a:off x="609600" y="304800"/>
+            <a:ext cx="7482840" cy="914400"/>
+          </a:xfrm>
+        </p:spPr>
+        <p:txBody>
+          <a:bodyPr/>
+          <a:lstStyle/>
+          <a:p>
+            <a:r>
+              <a:rPr lang="en-US" sz="3200" dirty="0" smtClean="0"/>
+              <a:t>Testing : UI or API ?</a:t>
+            </a:r>
+            <a:endParaRPr lang="en-US" sz="3200" dirty="0"/>
+          </a:p>
+        </p:txBody>
+      </p:sp>
+      <p:sp>
+        <p:nvSpPr>
+          <p:cNvPr id="5" name="Footer Placeholder 4"/>
+          <p:cNvSpPr>
+            <a:spLocks noGrp="1"/>
+          </p:cNvSpPr>
+          <p:nvPr>
+            <p:ph type="ftr" sz="quarter" idx="12"/>
+          </p:nvPr>
+        </p:nvSpPr>
+        <p:spPr/>
+        <p:txBody>
+          <a:bodyPr/>
+          <a:lstStyle/>
+          <a:p>
+            <a:r>
+              <a:rPr lang="en-US" smtClean="0"/>
+              <a:t>Api &amp; Micro Services Test Automation</a:t>
+            </a:r>
+            <a:endParaRPr lang="en-US"/>
+          </a:p>
+        </p:txBody>
+      </p:sp>
+      <p:pic>
+        <p:nvPicPr>
+          <p:cNvPr id="8" name="Content Placeholder 7"/>
+          <p:cNvPicPr>
+            <a:picLocks noGrp="1" noChangeAspect="1"/>
+          </p:cNvPicPr>
+          <p:nvPr>
+            <p:ph idx="1"/>
+          </p:nvPr>
+        </p:nvPicPr>
+        <p:blipFill>
+          <a:blip r:embed="rId2">
+            <a:extLst>
+              <a:ext uri="{28A0092B-C50C-407E-A947-70E740481C1C}">
+                <a14:useLocalDpi xmlns:a14="http://schemas.microsoft.com/office/drawing/2010/main" val="0"/>
+              </a:ext>
+            </a:extLst>
+          </a:blip>
+          <a:stretch>
+            <a:fillRect/>
+          </a:stretch>
+        </p:blipFill>
+        <p:spPr>
+          <a:xfrm>
+            <a:off x="457200" y="1371600"/>
+            <a:ext cx="8229352" cy="4724400"/>
+          </a:xfrm>
+        </p:spPr>
+      </p:pic>
+    </p:spTree>
+    <p:extLst>
+      <p:ext uri="{BB962C8B-B14F-4D97-AF65-F5344CB8AC3E}">
+        <p14:creationId xmlns:p14="http://schemas.microsoft.com/office/powerpoint/2010/main" val="3775555293"/>
       </p:ext>
     </p:extLst>
   </p:cSld>
@@ -5974,6 +6864,372 @@
 </p:sld>
 </file>
 
+<file path=ppt/slides/slide20.xml><?xml version="1.0" encoding="utf-8"?>
+<p:sld xmlns:a="http://schemas.openxmlformats.org/drawingml/2006/main" xmlns:r="http://schemas.openxmlformats.org/officeDocument/2006/relationships" xmlns:p="http://schemas.openxmlformats.org/presentationml/2006/main">
+  <p:cSld>
+    <p:spTree>
+      <p:nvGrpSpPr>
+        <p:cNvPr id="1" name=""/>
+        <p:cNvGrpSpPr/>
+        <p:nvPr/>
+      </p:nvGrpSpPr>
+      <p:grpSpPr>
+        <a:xfrm>
+          <a:off x="0" y="0"/>
+          <a:ext cx="0" cy="0"/>
+          <a:chOff x="0" y="0"/>
+          <a:chExt cx="0" cy="0"/>
+        </a:xfrm>
+      </p:grpSpPr>
+      <p:pic>
+        <p:nvPicPr>
+          <p:cNvPr id="4" name="Content Placeholder 3"/>
+          <p:cNvPicPr>
+            <a:picLocks noGrp="1" noChangeAspect="1"/>
+          </p:cNvPicPr>
+          <p:nvPr>
+            <p:ph idx="1"/>
+          </p:nvPr>
+        </p:nvPicPr>
+        <p:blipFill>
+          <a:blip r:embed="rId2" cstate="print">
+            <a:extLst>
+              <a:ext uri="{28A0092B-C50C-407E-A947-70E740481C1C}">
+                <a14:useLocalDpi xmlns:a14="http://schemas.microsoft.com/office/drawing/2010/main" val="0"/>
+              </a:ext>
+            </a:extLst>
+          </a:blip>
+          <a:stretch>
+            <a:fillRect/>
+          </a:stretch>
+        </p:blipFill>
+        <p:spPr>
+          <a:xfrm>
+            <a:off x="304800" y="1250448"/>
+            <a:ext cx="8633282" cy="5378951"/>
+          </a:xfrm>
+        </p:spPr>
+      </p:pic>
+      <p:sp>
+        <p:nvSpPr>
+          <p:cNvPr id="3" name="Title 2"/>
+          <p:cNvSpPr>
+            <a:spLocks noGrp="1"/>
+          </p:cNvSpPr>
+          <p:nvPr>
+            <p:ph type="title"/>
+          </p:nvPr>
+        </p:nvSpPr>
+        <p:spPr>
+          <a:xfrm>
+            <a:off x="762000" y="381000"/>
+            <a:ext cx="7543800" cy="914400"/>
+          </a:xfrm>
+        </p:spPr>
+        <p:txBody>
+          <a:bodyPr/>
+          <a:lstStyle/>
+          <a:p>
+            <a:r>
+              <a:rPr lang="en-US" sz="3200" dirty="0" smtClean="0"/>
+              <a:t>Top API Testing Tools</a:t>
+            </a:r>
+            <a:endParaRPr lang="en-US" sz="3200" dirty="0"/>
+          </a:p>
+        </p:txBody>
+      </p:sp>
+      <p:sp>
+        <p:nvSpPr>
+          <p:cNvPr id="5" name="Footer Placeholder 4"/>
+          <p:cNvSpPr>
+            <a:spLocks noGrp="1"/>
+          </p:cNvSpPr>
+          <p:nvPr>
+            <p:ph type="ftr" sz="quarter" idx="12"/>
+          </p:nvPr>
+        </p:nvSpPr>
+        <p:spPr/>
+        <p:txBody>
+          <a:bodyPr/>
+          <a:lstStyle/>
+          <a:p>
+            <a:r>
+              <a:rPr lang="en-US" smtClean="0"/>
+              <a:t>Api &amp; Micro Services Test Automation</a:t>
+            </a:r>
+            <a:endParaRPr lang="en-US"/>
+          </a:p>
+        </p:txBody>
+      </p:sp>
+    </p:spTree>
+    <p:extLst>
+      <p:ext uri="{BB962C8B-B14F-4D97-AF65-F5344CB8AC3E}">
+        <p14:creationId xmlns:p14="http://schemas.microsoft.com/office/powerpoint/2010/main" val="3707931638"/>
+      </p:ext>
+    </p:extLst>
+  </p:cSld>
+  <p:clrMapOvr>
+    <a:masterClrMapping/>
+  </p:clrMapOvr>
+  <p:timing>
+    <p:tnLst>
+      <p:par>
+        <p:cTn id="1" dur="indefinite" restart="never" nodeType="tmRoot"/>
+      </p:par>
+    </p:tnLst>
+  </p:timing>
+</p:sld>
+</file>
+
+<file path=ppt/slides/slide21.xml><?xml version="1.0" encoding="utf-8"?>
+<p:sld xmlns:a="http://schemas.openxmlformats.org/drawingml/2006/main" xmlns:r="http://schemas.openxmlformats.org/officeDocument/2006/relationships" xmlns:p="http://schemas.openxmlformats.org/presentationml/2006/main">
+  <p:cSld>
+    <p:spTree>
+      <p:nvGrpSpPr>
+        <p:cNvPr id="1" name=""/>
+        <p:cNvGrpSpPr/>
+        <p:nvPr/>
+      </p:nvGrpSpPr>
+      <p:grpSpPr>
+        <a:xfrm>
+          <a:off x="0" y="0"/>
+          <a:ext cx="0" cy="0"/>
+          <a:chOff x="0" y="0"/>
+          <a:chExt cx="0" cy="0"/>
+        </a:xfrm>
+      </p:grpSpPr>
+      <p:sp>
+        <p:nvSpPr>
+          <p:cNvPr id="2" name="Content Placeholder 1"/>
+          <p:cNvSpPr>
+            <a:spLocks noGrp="1"/>
+          </p:cNvSpPr>
+          <p:nvPr>
+            <p:ph idx="1"/>
+          </p:nvPr>
+        </p:nvSpPr>
+        <p:spPr/>
+        <p:txBody>
+          <a:bodyPr>
+            <a:normAutofit fontScale="92500"/>
+          </a:bodyPr>
+          <a:lstStyle/>
+          <a:p>
+            <a:r>
+              <a:rPr lang="en-US" dirty="0">
+                <a:effectLst/>
+                <a:hlinkClick r:id="rId2"/>
+              </a:rPr>
+              <a:t>https://</a:t>
+            </a:r>
+            <a:r>
+              <a:rPr lang="en-US" dirty="0" smtClean="0">
+                <a:effectLst/>
+                <a:hlinkClick r:id="rId2"/>
+              </a:rPr>
+              <a:t>www.amazon.jobs/en/jobs/1117417/software-development-engineer-in-test</a:t>
+            </a:r>
+            <a:endParaRPr lang="en-US" dirty="0" smtClean="0">
+              <a:effectLst/>
+            </a:endParaRPr>
+          </a:p>
+          <a:p>
+            <a:r>
+              <a:rPr lang="en-US" dirty="0">
+                <a:hlinkClick r:id="rId3"/>
+              </a:rPr>
+              <a:t>https://www.amazon.jobs/en/search?offset=10&amp;result_limit=10&amp;sort=relevant&amp;distanceType=Mi&amp;radius=24km&amp;latitude=&amp;longitude=&amp;loc_group_id=&amp;loc_query=&amp;base_query=API%20Testing&amp;city=&amp;country=&amp;region=&amp;county=&amp;query_options</a:t>
+            </a:r>
+            <a:r>
+              <a:rPr lang="en-US" dirty="0" smtClean="0">
+                <a:hlinkClick r:id="rId3"/>
+              </a:rPr>
+              <a:t>=&amp;</a:t>
+            </a:r>
+            <a:endParaRPr lang="en-US" dirty="0" smtClean="0"/>
+          </a:p>
+          <a:p>
+            <a:r>
+              <a:rPr lang="en-US" dirty="0">
+                <a:effectLst/>
+                <a:hlinkClick r:id="rId4"/>
+              </a:rPr>
+              <a:t>https://www.amazon.jobs/en/search?base_query=Selenium+Testing&amp;loc_query=&amp;latitude=&amp;longitude=&amp;loc_group_id=&amp;invalid_location=false&amp;country=&amp;city=&amp;region=&amp;county</a:t>
+            </a:r>
+            <a:r>
+              <a:rPr lang="en-US" dirty="0" smtClean="0">
+                <a:effectLst/>
+              </a:rPr>
+              <a:t>=</a:t>
+            </a:r>
+          </a:p>
+          <a:p>
+            <a:pPr marL="18288" indent="0">
+              <a:buNone/>
+            </a:pPr>
+            <a:endParaRPr lang="en-US" dirty="0"/>
+          </a:p>
+        </p:txBody>
+      </p:sp>
+      <p:sp>
+        <p:nvSpPr>
+          <p:cNvPr id="3" name="Title 2"/>
+          <p:cNvSpPr>
+            <a:spLocks noGrp="1"/>
+          </p:cNvSpPr>
+          <p:nvPr>
+            <p:ph type="title"/>
+          </p:nvPr>
+        </p:nvSpPr>
+        <p:spPr>
+          <a:xfrm>
+            <a:off x="777240" y="4800600"/>
+            <a:ext cx="7543800" cy="914400"/>
+          </a:xfrm>
+        </p:spPr>
+        <p:txBody>
+          <a:bodyPr/>
+          <a:lstStyle/>
+          <a:p>
+            <a:r>
+              <a:rPr lang="en-US" dirty="0" smtClean="0"/>
+              <a:t>Job Profiles</a:t>
+            </a:r>
+            <a:endParaRPr lang="en-US" dirty="0"/>
+          </a:p>
+        </p:txBody>
+      </p:sp>
+      <p:sp>
+        <p:nvSpPr>
+          <p:cNvPr id="4" name="Footer Placeholder 3"/>
+          <p:cNvSpPr>
+            <a:spLocks noGrp="1"/>
+          </p:cNvSpPr>
+          <p:nvPr>
+            <p:ph type="ftr" sz="quarter" idx="12"/>
+          </p:nvPr>
+        </p:nvSpPr>
+        <p:spPr/>
+        <p:txBody>
+          <a:bodyPr/>
+          <a:lstStyle/>
+          <a:p>
+            <a:r>
+              <a:rPr lang="en-US" smtClean="0"/>
+              <a:t>Api &amp; Micro Services Test Automation</a:t>
+            </a:r>
+            <a:endParaRPr lang="en-US"/>
+          </a:p>
+        </p:txBody>
+      </p:sp>
+    </p:spTree>
+    <p:extLst>
+      <p:ext uri="{BB962C8B-B14F-4D97-AF65-F5344CB8AC3E}">
+        <p14:creationId xmlns:p14="http://schemas.microsoft.com/office/powerpoint/2010/main" val="2377914117"/>
+      </p:ext>
+    </p:extLst>
+  </p:cSld>
+  <p:clrMapOvr>
+    <a:masterClrMapping/>
+  </p:clrMapOvr>
+  <p:timing>
+    <p:tnLst>
+      <p:par>
+        <p:cTn id="1" dur="indefinite" restart="never" nodeType="tmRoot"/>
+      </p:par>
+    </p:tnLst>
+  </p:timing>
+</p:sld>
+</file>
+
+<file path=ppt/slides/slide22.xml><?xml version="1.0" encoding="utf-8"?>
+<p:sld xmlns:a="http://schemas.openxmlformats.org/drawingml/2006/main" xmlns:r="http://schemas.openxmlformats.org/officeDocument/2006/relationships" xmlns:p="http://schemas.openxmlformats.org/presentationml/2006/main">
+  <p:cSld>
+    <p:spTree>
+      <p:nvGrpSpPr>
+        <p:cNvPr id="1" name=""/>
+        <p:cNvGrpSpPr/>
+        <p:nvPr/>
+      </p:nvGrpSpPr>
+      <p:grpSpPr>
+        <a:xfrm>
+          <a:off x="0" y="0"/>
+          <a:ext cx="0" cy="0"/>
+          <a:chOff x="0" y="0"/>
+          <a:chExt cx="0" cy="0"/>
+        </a:xfrm>
+      </p:grpSpPr>
+      <p:sp>
+        <p:nvSpPr>
+          <p:cNvPr id="5" name="Title 4"/>
+          <p:cNvSpPr>
+            <a:spLocks noGrp="1"/>
+          </p:cNvSpPr>
+          <p:nvPr>
+            <p:ph type="title"/>
+          </p:nvPr>
+        </p:nvSpPr>
+        <p:spPr>
+          <a:xfrm>
+            <a:off x="533400" y="762000"/>
+            <a:ext cx="7543800" cy="914400"/>
+          </a:xfrm>
+        </p:spPr>
+        <p:txBody>
+          <a:bodyPr/>
+          <a:lstStyle/>
+          <a:p>
+            <a:r>
+              <a:rPr lang="en-US" dirty="0" smtClean="0"/>
+              <a:t>Demo</a:t>
+            </a:r>
+            <a:endParaRPr lang="en-US" dirty="0"/>
+          </a:p>
+        </p:txBody>
+      </p:sp>
+      <p:sp>
+        <p:nvSpPr>
+          <p:cNvPr id="4" name="Footer Placeholder 3"/>
+          <p:cNvSpPr>
+            <a:spLocks noGrp="1"/>
+          </p:cNvSpPr>
+          <p:nvPr>
+            <p:ph type="ftr" sz="quarter" idx="12"/>
+          </p:nvPr>
+        </p:nvSpPr>
+        <p:spPr/>
+        <p:txBody>
+          <a:bodyPr/>
+          <a:lstStyle/>
+          <a:p>
+            <a:r>
+              <a:rPr lang="en-US" smtClean="0"/>
+              <a:t>Api &amp; Micro Services Test Automation</a:t>
+            </a:r>
+            <a:endParaRPr lang="en-US"/>
+          </a:p>
+        </p:txBody>
+      </p:sp>
+    </p:spTree>
+    <p:extLst>
+      <p:ext uri="{BB962C8B-B14F-4D97-AF65-F5344CB8AC3E}">
+        <p14:creationId xmlns:p14="http://schemas.microsoft.com/office/powerpoint/2010/main" val="2168141681"/>
+      </p:ext>
+    </p:extLst>
+  </p:cSld>
+  <p:clrMapOvr>
+    <a:masterClrMapping/>
+  </p:clrMapOvr>
+  <p:timing>
+    <p:tnLst>
+      <p:par>
+        <p:cTn id="1" dur="indefinite" restart="never" nodeType="tmRoot"/>
+      </p:par>
+    </p:tnLst>
+  </p:timing>
+</p:sld>
+</file>
+
 <file path=ppt/slides/slide3.xml><?xml version="1.0" encoding="utf-8"?>
 <p:sld xmlns:a="http://schemas.openxmlformats.org/drawingml/2006/main" xmlns:r="http://schemas.openxmlformats.org/officeDocument/2006/relationships" xmlns:p="http://schemas.openxmlformats.org/presentationml/2006/main">
   <p:cSld>
@@ -6055,14 +7311,30 @@
           <a:p>
             <a:r>
               <a:rPr lang="en-US" dirty="0" smtClean="0"/>
-              <a:t>Having 10+ years of experience as Automation Testing.</a:t>
+              <a:t>Having 11+ years of experience in Automation Testing.</a:t>
             </a:r>
           </a:p>
           <a:p>
             <a:pPr lvl="0"/>
             <a:r>
               <a:rPr lang="en-US" dirty="0" smtClean="0"/>
-              <a:t>Conducting trainings, seminars and webinars for both in-house and out-house from last 2 years.</a:t>
+              <a:t>Conducting trainings, seminars and webinars </a:t>
+            </a:r>
+            <a:r>
+              <a:rPr lang="en-US" dirty="0"/>
+              <a:t> </a:t>
+            </a:r>
+            <a:r>
+              <a:rPr lang="en-US" dirty="0" smtClean="0"/>
+              <a:t>both in-house and outdoor from last 4 years</a:t>
+            </a:r>
+            <a:r>
+              <a:rPr lang="en-US" dirty="0"/>
+              <a:t> </a:t>
+            </a:r>
+            <a:r>
+              <a:rPr lang="en-US" dirty="0" smtClean="0"/>
+              <a:t>in the area of automation.</a:t>
             </a:r>
           </a:p>
           <a:p>
@@ -6088,34 +7360,8 @@
           <a:p>
             <a:r>
               <a:rPr lang="en-US" dirty="0" smtClean="0"/>
-              <a:t>Working for a cloud based product where involved in designing </a:t>
-            </a:r>
-            <a:r>
-              <a:rPr lang="en-US" dirty="0" err="1" smtClean="0"/>
-              <a:t>devOps</a:t>
-            </a:r>
-            <a:r>
-              <a:rPr lang="en-US" dirty="0" smtClean="0"/>
-              <a:t> solution using tools like Jenkins, </a:t>
-            </a:r>
-            <a:r>
-              <a:rPr lang="en-US" dirty="0" err="1" smtClean="0"/>
-              <a:t>ansible</a:t>
-            </a:r>
-            <a:r>
-              <a:rPr lang="en-US" dirty="0" smtClean="0"/>
-              <a:t>, </a:t>
-            </a:r>
-            <a:r>
-              <a:rPr lang="en-US" dirty="0" err="1" smtClean="0"/>
-              <a:t>docker</a:t>
-            </a:r>
-            <a:r>
-              <a:rPr lang="en-US" dirty="0" smtClean="0"/>
-              <a:t> etc.</a:t>
-            </a:r>
-          </a:p>
-          <a:p>
+              <a:t>Working on cloud based product as principle software developer having responsibilities like writing API based micro services and managing deployment, automation of them end to end.</a:t>
+            </a:r>
             <a:endParaRPr lang="en-US" dirty="0"/>
           </a:p>
         </p:txBody>
@@ -6292,16 +7538,39 @@
           </a:p>
         </p:txBody>
       </p:sp>
+      <p:sp>
+        <p:nvSpPr>
+          <p:cNvPr id="7" name="Footer Placeholder 6"/>
+          <p:cNvSpPr>
+            <a:spLocks noGrp="1"/>
+          </p:cNvSpPr>
+          <p:nvPr>
+            <p:ph type="ftr" sz="quarter" idx="12"/>
+          </p:nvPr>
+        </p:nvSpPr>
+        <p:spPr/>
+        <p:txBody>
+          <a:bodyPr/>
+          <a:lstStyle/>
+          <a:p>
+            <a:r>
+              <a:rPr lang="en-US" smtClean="0"/>
+              <a:t>Api &amp; Micro Services Test Automation</a:t>
+            </a:r>
+            <a:endParaRPr lang="en-US"/>
+          </a:p>
+        </p:txBody>
+      </p:sp>
       <p:pic>
         <p:nvPicPr>
-          <p:cNvPr id="6" name="Picture 5"/>
+          <p:cNvPr id="2" name="Picture 1"/>
           <p:cNvPicPr>
             <a:picLocks noChangeAspect="1"/>
           </p:cNvPicPr>
           <p:nvPr/>
         </p:nvPicPr>
         <p:blipFill>
-          <a:blip r:embed="rId3">
+          <a:blip r:embed="rId3" cstate="print">
             <a:extLst>
               <a:ext uri="{28A0092B-C50C-407E-A947-70E740481C1C}">
                 <a14:useLocalDpi xmlns:a14="http://schemas.microsoft.com/office/drawing/2010/main" val="0"/>
@@ -6314,37 +7583,14 @@
         </p:blipFill>
         <p:spPr>
           <a:xfrm>
-            <a:off x="1967345" y="3048000"/>
-            <a:ext cx="4762500" cy="3181350"/>
+            <a:off x="457200" y="2688336"/>
+            <a:ext cx="7391400" cy="3102864"/>
           </a:xfrm>
           <a:prstGeom prst="rect">
             <a:avLst/>
           </a:prstGeom>
         </p:spPr>
       </p:pic>
-      <p:sp>
-        <p:nvSpPr>
-          <p:cNvPr id="7" name="Footer Placeholder 6"/>
-          <p:cNvSpPr>
-            <a:spLocks noGrp="1"/>
-          </p:cNvSpPr>
-          <p:nvPr>
-            <p:ph type="ftr" sz="quarter" idx="12"/>
-          </p:nvPr>
-        </p:nvSpPr>
-        <p:spPr/>
-        <p:txBody>
-          <a:bodyPr/>
-          <a:lstStyle/>
-          <a:p>
-            <a:r>
-              <a:rPr lang="en-US" smtClean="0"/>
-              <a:t>Api &amp; Micro Services Test Automation</a:t>
-            </a:r>
-            <a:endParaRPr lang="en-US"/>
-          </a:p>
-        </p:txBody>
-      </p:sp>
     </p:spTree>
     <p:extLst>
       <p:ext uri="{BB962C8B-B14F-4D97-AF65-F5344CB8AC3E}">
@@ -6955,15 +8201,99 @@
           <a:chExt cx="0" cy="0"/>
         </a:xfrm>
       </p:grpSpPr>
+      <p:sp>
+        <p:nvSpPr>
+          <p:cNvPr id="3" name="Content Placeholder 2"/>
+          <p:cNvSpPr>
+            <a:spLocks noGrp="1"/>
+          </p:cNvSpPr>
+          <p:nvPr>
+            <p:ph idx="1"/>
+          </p:nvPr>
+        </p:nvSpPr>
+        <p:spPr>
+          <a:xfrm>
+            <a:off x="685800" y="838200"/>
+            <a:ext cx="8077200" cy="5181600"/>
+          </a:xfrm>
+        </p:spPr>
+        <p:txBody>
+          <a:bodyPr anchor="t"/>
+          <a:lstStyle/>
+          <a:p>
+            <a:pPr marL="18288" indent="0">
+              <a:buNone/>
+            </a:pPr>
+            <a:endParaRPr lang="en-US" dirty="0">
+              <a:effectLst/>
+            </a:endParaRPr>
+          </a:p>
+          <a:p>
+            <a:pPr marL="18288" indent="0">
+              <a:buNone/>
+            </a:pPr>
+            <a:endParaRPr lang="en-US" dirty="0"/>
+          </a:p>
+        </p:txBody>
+      </p:sp>
+      <p:sp>
+        <p:nvSpPr>
+          <p:cNvPr id="4" name="Title 3"/>
+          <p:cNvSpPr>
+            <a:spLocks noGrp="1"/>
+          </p:cNvSpPr>
+          <p:nvPr>
+            <p:ph type="title"/>
+          </p:nvPr>
+        </p:nvSpPr>
+        <p:spPr>
+          <a:xfrm>
+            <a:off x="762000" y="-13855"/>
+            <a:ext cx="7543800" cy="914400"/>
+          </a:xfrm>
+        </p:spPr>
+        <p:txBody>
+          <a:bodyPr/>
+          <a:lstStyle/>
+          <a:p>
+            <a:r>
+              <a:rPr lang="en-US" sz="3200" dirty="0" smtClean="0"/>
+              <a:t>Micro Services</a:t>
+            </a:r>
+            <a:endParaRPr lang="en-US" sz="3200" dirty="0"/>
+          </a:p>
+        </p:txBody>
+      </p:sp>
+      <p:sp>
+        <p:nvSpPr>
+          <p:cNvPr id="6" name="Footer Placeholder 5"/>
+          <p:cNvSpPr>
+            <a:spLocks noGrp="1"/>
+          </p:cNvSpPr>
+          <p:nvPr>
+            <p:ph type="ftr" sz="quarter" idx="12"/>
+          </p:nvPr>
+        </p:nvSpPr>
+        <p:spPr/>
+        <p:txBody>
+          <a:bodyPr/>
+          <a:lstStyle/>
+          <a:p>
+            <a:r>
+              <a:rPr lang="en-US" smtClean="0"/>
+              <a:t>Api &amp; Micro Services Test Automation</a:t>
+            </a:r>
+            <a:endParaRPr lang="en-US"/>
+          </a:p>
+        </p:txBody>
+      </p:sp>
       <p:pic>
         <p:nvPicPr>
-          <p:cNvPr id="2" name="Content Placeholder 1"/>
+          <p:cNvPr id="7" name="Picture 6"/>
           <p:cNvPicPr>
-            <a:picLocks noGrp="1" noChangeAspect="1"/>
+            <a:picLocks noChangeAspect="1"/>
           </p:cNvPicPr>
-          <p:nvPr>
-            <p:ph idx="1"/>
-          </p:nvPr>
+          <p:nvPr/>
         </p:nvPicPr>
         <p:blipFill>
           <a:blip r:embed="rId2">
@@ -6979,66 +8309,18 @@
         </p:blipFill>
         <p:spPr>
           <a:xfrm>
-            <a:off x="412173" y="1295400"/>
-            <a:ext cx="8350827" cy="5105400"/>
-          </a:xfrm>
+            <a:off x="2667000" y="1053678"/>
+            <a:ext cx="4043926" cy="5042322"/>
+          </a:xfrm>
+          <a:prstGeom prst="rect">
+            <a:avLst/>
+          </a:prstGeom>
         </p:spPr>
       </p:pic>
-      <p:sp>
-        <p:nvSpPr>
-          <p:cNvPr id="4" name="Title 3"/>
-          <p:cNvSpPr>
-            <a:spLocks noGrp="1"/>
-          </p:cNvSpPr>
-          <p:nvPr>
-            <p:ph type="title"/>
-          </p:nvPr>
-        </p:nvSpPr>
-        <p:spPr>
-          <a:xfrm>
-            <a:off x="762000" y="152400"/>
-            <a:ext cx="7543800" cy="914400"/>
-          </a:xfrm>
-        </p:spPr>
-        <p:txBody>
-          <a:bodyPr/>
-          <a:lstStyle/>
-          <a:p>
-            <a:r>
-              <a:rPr lang="en-US" sz="3200" dirty="0" smtClean="0"/>
-              <a:t>Facts</a:t>
-            </a:r>
-            <a:endParaRPr lang="en-US" sz="3200" dirty="0"/>
-          </a:p>
-        </p:txBody>
-      </p:sp>
-      <p:sp>
-        <p:nvSpPr>
-          <p:cNvPr id="3" name="Footer Placeholder 2"/>
-          <p:cNvSpPr>
-            <a:spLocks noGrp="1"/>
-          </p:cNvSpPr>
-          <p:nvPr>
-            <p:ph type="ftr" sz="quarter" idx="12"/>
-          </p:nvPr>
-        </p:nvSpPr>
-        <p:spPr/>
-        <p:txBody>
-          <a:bodyPr/>
-          <a:lstStyle/>
-          <a:p>
-            <a:r>
-              <a:rPr lang="en-US" smtClean="0"/>
-              <a:t>Api &amp; Micro Services Test Automation</a:t>
-            </a:r>
-            <a:endParaRPr lang="en-US"/>
-          </a:p>
-        </p:txBody>
-      </p:sp>
     </p:spTree>
     <p:extLst>
       <p:ext uri="{BB962C8B-B14F-4D97-AF65-F5344CB8AC3E}">
-        <p14:creationId xmlns:p14="http://schemas.microsoft.com/office/powerpoint/2010/main" val="2110499522"/>
+        <p14:creationId xmlns:p14="http://schemas.microsoft.com/office/powerpoint/2010/main" val="1633502309"/>
       </p:ext>
     </p:extLst>
   </p:cSld>
@@ -7072,158 +8354,351 @@
           <a:chExt cx="0" cy="0"/>
         </a:xfrm>
       </p:grpSpPr>
-      <p:pic>
-        <p:nvPicPr>
-          <p:cNvPr id="2" name="Content Placeholder 1"/>
-          <p:cNvPicPr>
-            <a:picLocks noGrp="1" noChangeAspect="1"/>
-          </p:cNvPicPr>
+      <p:sp>
+        <p:nvSpPr>
+          <p:cNvPr id="4" name="Title 3"/>
+          <p:cNvSpPr>
+            <a:spLocks noGrp="1"/>
+          </p:cNvSpPr>
+          <p:nvPr>
+            <p:ph type="title"/>
+          </p:nvPr>
+        </p:nvSpPr>
+        <p:spPr>
+          <a:xfrm>
+            <a:off x="762000" y="152400"/>
+            <a:ext cx="7543800" cy="914400"/>
+          </a:xfrm>
+        </p:spPr>
+        <p:txBody>
+          <a:bodyPr/>
+          <a:lstStyle/>
+          <a:p>
+            <a:r>
+              <a:rPr lang="en-US" sz="3200" dirty="0" smtClean="0"/>
+              <a:t>Facts</a:t>
+            </a:r>
+            <a:endParaRPr lang="en-US" sz="3200" dirty="0"/>
+          </a:p>
+        </p:txBody>
+      </p:sp>
+      <p:sp>
+        <p:nvSpPr>
+          <p:cNvPr id="3" name="Footer Placeholder 2"/>
+          <p:cNvSpPr>
+            <a:spLocks noGrp="1"/>
+          </p:cNvSpPr>
+          <p:nvPr>
+            <p:ph type="ftr" sz="quarter" idx="12"/>
+          </p:nvPr>
+        </p:nvSpPr>
+        <p:spPr/>
+        <p:txBody>
+          <a:bodyPr/>
+          <a:lstStyle/>
+          <a:p>
+            <a:r>
+              <a:rPr lang="en-US" smtClean="0"/>
+              <a:t>Api &amp; Micro Services Test Automation</a:t>
+            </a:r>
+            <a:endParaRPr lang="en-US"/>
+          </a:p>
+        </p:txBody>
+      </p:sp>
+      <p:sp>
+        <p:nvSpPr>
+          <p:cNvPr id="7" name="Content Placeholder 6"/>
+          <p:cNvSpPr>
+            <a:spLocks noGrp="1"/>
+          </p:cNvSpPr>
           <p:nvPr>
             <p:ph idx="1"/>
           </p:nvPr>
-        </p:nvPicPr>
-        <p:blipFill>
-          <a:blip r:embed="rId2">
-            <a:extLst>
-              <a:ext uri="{28A0092B-C50C-407E-A947-70E740481C1C}">
-                <a14:useLocalDpi xmlns:a14="http://schemas.microsoft.com/office/drawing/2010/main" val="0"/>
-              </a:ext>
-            </a:extLst>
-          </a:blip>
-          <a:stretch>
-            <a:fillRect/>
-          </a:stretch>
-        </p:blipFill>
+        </p:nvSpPr>
         <p:spPr>
           <a:xfrm>
-            <a:off x="1295400" y="340360"/>
-            <a:ext cx="3733800" cy="4231640"/>
-          </a:xfrm>
-        </p:spPr>
-      </p:pic>
-      <p:sp>
-        <p:nvSpPr>
-          <p:cNvPr id="3" name="Text Placeholder 2"/>
-          <p:cNvSpPr>
-            <a:spLocks noGrp="1"/>
-          </p:cNvSpPr>
-          <p:nvPr>
-            <p:ph type="body" sz="half" idx="2"/>
-          </p:nvPr>
+            <a:off x="914400" y="990600"/>
+            <a:ext cx="7315200" cy="1219200"/>
+          </a:xfrm>
+        </p:spPr>
+        <p:txBody>
+          <a:bodyPr/>
+          <a:lstStyle/>
+          <a:p>
+            <a:pPr marL="18288" indent="0">
+              <a:buNone/>
+            </a:pPr>
+            <a:r>
+              <a:rPr lang="en-US" dirty="0" err="1" smtClean="0">
+                <a:effectLst/>
+                <a:hlinkClick r:id="rId2" action="ppaction://hlinksldjump"/>
+              </a:rPr>
+              <a:t>RapidAPI</a:t>
+            </a:r>
+            <a:r>
+              <a:rPr lang="en-US" dirty="0" smtClean="0">
+                <a:effectLst/>
+                <a:hlinkClick r:id="rId2" action="ppaction://hlinksldjump"/>
+              </a:rPr>
+              <a:t> Developer Survey Highlights</a:t>
+            </a:r>
+            <a:endParaRPr lang="en-US" dirty="0"/>
+          </a:p>
+        </p:txBody>
+      </p:sp>
+      <p:sp>
+        <p:nvSpPr>
+          <p:cNvPr id="8" name="Content Placeholder 6"/>
+          <p:cNvSpPr txBox="1">
+            <a:spLocks/>
+          </p:cNvSpPr>
+          <p:nvPr/>
         </p:nvSpPr>
         <p:spPr>
           <a:xfrm>
-            <a:off x="5715000" y="685801"/>
-            <a:ext cx="3124200" cy="4343399"/>
-          </a:xfrm>
-        </p:spPr>
-        <p:txBody>
-          <a:bodyPr>
+            <a:off x="914400" y="2209800"/>
+            <a:ext cx="7315200" cy="1219200"/>
+          </a:xfrm>
+          <a:prstGeom prst="rect">
+            <a:avLst/>
+          </a:prstGeom>
+        </p:spPr>
+        <p:txBody>
+          <a:bodyPr vert="horz" lIns="91440" tIns="45720" rIns="91440" bIns="45720" rtlCol="0" anchor="ctr">
             <a:normAutofit/>
           </a:bodyPr>
-          <a:lstStyle/>
-          <a:p>
-            <a:r>
-              <a:rPr lang="en-US" sz="1800" dirty="0" err="1"/>
-              <a:t>Airbnb</a:t>
-            </a:r>
-            <a:r>
-              <a:rPr lang="en-US" sz="1800" dirty="0"/>
-              <a:t> has already admitted that they work with algorithms to place </a:t>
-            </a:r>
-            <a:r>
-              <a:rPr lang="en-US" sz="1800" dirty="0" err="1"/>
-              <a:t>advertizing</a:t>
-            </a:r>
-            <a:r>
-              <a:rPr lang="en-US" sz="1800" dirty="0"/>
-              <a:t> based on image quality. </a:t>
-            </a:r>
-          </a:p>
-          <a:p>
-            <a:r>
-              <a:rPr lang="en-US" sz="1800" dirty="0" smtClean="0">
+          <a:lstStyle>
+            <a:lvl1pPr marL="274320" indent="-256032" algn="l" defTabSz="914400" rtl="0" eaLnBrk="1" latinLnBrk="0" hangingPunct="1">
+              <a:spcBef>
+                <a:spcPct val="20000"/>
+              </a:spcBef>
+              <a:spcAft>
+                <a:spcPts val="0"/>
+              </a:spcAft>
+              <a:buSzPct val="60000"/>
+              <a:buFont typeface="Wingdings" pitchFamily="2" charset="2"/>
+              <a:buChar char=""/>
+              <a:defRPr sz="2100" kern="1200">
+                <a:solidFill>
+                  <a:schemeClr val="tx1"/>
+                </a:solidFill>
+                <a:effectLst>
+                  <a:outerShdw blurRad="38100" dist="38100" dir="2700000" algn="tl">
+                    <a:srgbClr val="000000">
+                      <a:alpha val="43137"/>
+                    </a:srgbClr>
+                  </a:outerShdw>
+                </a:effectLst>
+                <a:latin typeface="+mn-lt"/>
+                <a:ea typeface="+mn-ea"/>
+                <a:cs typeface="+mn-cs"/>
+              </a:defRPr>
+            </a:lvl1pPr>
+            <a:lvl2pPr marL="640080" indent="-256032" algn="l" defTabSz="914400" rtl="0" eaLnBrk="1" latinLnBrk="0" hangingPunct="1">
+              <a:spcBef>
+                <a:spcPct val="20000"/>
+              </a:spcBef>
+              <a:buSzPct val="60000"/>
+              <a:buFont typeface="Wingdings" pitchFamily="2" charset="2"/>
+              <a:buChar char=""/>
+              <a:defRPr sz="1900" kern="1200">
+                <a:solidFill>
+                  <a:schemeClr val="tx1"/>
+                </a:solidFill>
+                <a:effectLst>
+                  <a:outerShdw blurRad="38100" dist="38100" dir="2700000" algn="tl">
+                    <a:srgbClr val="000000">
+                      <a:alpha val="43137"/>
+                    </a:srgbClr>
+                  </a:outerShdw>
+                </a:effectLst>
+                <a:latin typeface="+mn-lt"/>
+                <a:ea typeface="+mn-ea"/>
+                <a:cs typeface="+mn-cs"/>
+              </a:defRPr>
+            </a:lvl2pPr>
+            <a:lvl3pPr marL="1005840" indent="-256032" algn="l" defTabSz="914400" rtl="0" eaLnBrk="1" latinLnBrk="0" hangingPunct="1">
+              <a:spcBef>
+                <a:spcPct val="20000"/>
+              </a:spcBef>
+              <a:buSzPct val="60000"/>
+              <a:buFont typeface="Wingdings" pitchFamily="2" charset="2"/>
+              <a:buChar char=""/>
+              <a:defRPr sz="1700" kern="1200">
+                <a:solidFill>
+                  <a:schemeClr val="tx1"/>
+                </a:solidFill>
+                <a:effectLst>
+                  <a:outerShdw blurRad="38100" dist="38100" dir="2700000" algn="tl">
+                    <a:srgbClr val="000000">
+                      <a:alpha val="43137"/>
+                    </a:srgbClr>
+                  </a:outerShdw>
+                </a:effectLst>
+                <a:latin typeface="+mn-lt"/>
+                <a:ea typeface="+mn-ea"/>
+                <a:cs typeface="+mn-cs"/>
+              </a:defRPr>
+            </a:lvl3pPr>
+            <a:lvl4pPr marL="1371600" indent="-256032" algn="l" defTabSz="914400" rtl="0" eaLnBrk="1" latinLnBrk="0" hangingPunct="1">
+              <a:spcBef>
+                <a:spcPct val="20000"/>
+              </a:spcBef>
+              <a:buSzPct val="60000"/>
+              <a:buFont typeface="Wingdings" pitchFamily="2" charset="2"/>
+              <a:buChar char=""/>
+              <a:defRPr sz="1600" kern="1200">
+                <a:solidFill>
+                  <a:schemeClr val="tx1"/>
+                </a:solidFill>
+                <a:effectLst>
+                  <a:outerShdw blurRad="38100" dist="38100" dir="2700000" algn="tl">
+                    <a:srgbClr val="000000">
+                      <a:alpha val="43137"/>
+                    </a:srgbClr>
+                  </a:outerShdw>
+                </a:effectLst>
+                <a:latin typeface="+mn-lt"/>
+                <a:ea typeface="+mn-ea"/>
+                <a:cs typeface="+mn-cs"/>
+              </a:defRPr>
+            </a:lvl4pPr>
+            <a:lvl5pPr marL="1645920" indent="-256032" algn="l" defTabSz="914400" rtl="0" eaLnBrk="1" latinLnBrk="0" hangingPunct="1">
+              <a:spcBef>
+                <a:spcPct val="20000"/>
+              </a:spcBef>
+              <a:buSzPct val="60000"/>
+              <a:buFont typeface="Wingdings" pitchFamily="2" charset="2"/>
+              <a:buChar char=""/>
+              <a:defRPr sz="1500" kern="1200">
+                <a:solidFill>
+                  <a:schemeClr val="tx1"/>
+                </a:solidFill>
+                <a:effectLst>
+                  <a:outerShdw blurRad="38100" dist="38100" dir="2700000" algn="tl">
+                    <a:srgbClr val="000000">
+                      <a:alpha val="43137"/>
+                    </a:srgbClr>
+                  </a:outerShdw>
+                </a:effectLst>
+                <a:latin typeface="+mn-lt"/>
+                <a:ea typeface="+mn-ea"/>
+                <a:cs typeface="+mn-cs"/>
+              </a:defRPr>
+            </a:lvl5pPr>
+            <a:lvl6pPr marL="1965960" indent="-256032" algn="l" defTabSz="914400" rtl="0" eaLnBrk="1" latinLnBrk="0" hangingPunct="1">
+              <a:spcBef>
+                <a:spcPct val="20000"/>
+              </a:spcBef>
+              <a:buSzPct val="60000"/>
+              <a:buFont typeface="Wingdings" pitchFamily="2" charset="2"/>
+              <a:buChar char=""/>
+              <a:defRPr sz="1400" kern="1200">
+                <a:solidFill>
+                  <a:schemeClr val="tx1"/>
+                </a:solidFill>
+                <a:effectLst>
+                  <a:outerShdw blurRad="38100" dist="38100" dir="2700000" algn="ctr" rotWithShape="0">
+                    <a:srgbClr val="000000">
+                      <a:alpha val="43000"/>
+                    </a:srgbClr>
+                  </a:outerShdw>
+                </a:effectLst>
+                <a:latin typeface="+mn-lt"/>
+                <a:ea typeface="+mn-ea"/>
+                <a:cs typeface="+mn-cs"/>
+              </a:defRPr>
+            </a:lvl6pPr>
+            <a:lvl7pPr marL="2240280" indent="-256032" algn="l" defTabSz="914400" rtl="0" eaLnBrk="1" latinLnBrk="0" hangingPunct="1">
+              <a:spcBef>
+                <a:spcPct val="20000"/>
+              </a:spcBef>
+              <a:buSzPct val="60000"/>
+              <a:buFont typeface="Wingdings" pitchFamily="2" charset="2"/>
+              <a:buChar char=""/>
+              <a:defRPr sz="1400" kern="1200">
+                <a:solidFill>
+                  <a:schemeClr val="tx1"/>
+                </a:solidFill>
+                <a:effectLst>
+                  <a:outerShdw blurRad="38100" dist="38100" dir="2700000" algn="ctr" rotWithShape="0">
+                    <a:srgbClr val="000000">
+                      <a:alpha val="43000"/>
+                    </a:srgbClr>
+                  </a:outerShdw>
+                </a:effectLst>
+                <a:latin typeface="+mn-lt"/>
+                <a:ea typeface="+mn-ea"/>
+                <a:cs typeface="+mn-cs"/>
+              </a:defRPr>
+            </a:lvl7pPr>
+            <a:lvl8pPr marL="2514600" indent="-256032" algn="l" defTabSz="914400" rtl="0" eaLnBrk="1" latinLnBrk="0" hangingPunct="1">
+              <a:spcBef>
+                <a:spcPct val="20000"/>
+              </a:spcBef>
+              <a:buSzPct val="60000"/>
+              <a:buFont typeface="Wingdings" pitchFamily="2" charset="2"/>
+              <a:buChar char=""/>
+              <a:defRPr sz="1400" kern="1200">
+                <a:solidFill>
+                  <a:schemeClr val="tx1"/>
+                </a:solidFill>
+                <a:effectLst>
+                  <a:outerShdw blurRad="38100" dist="38100" dir="2700000" algn="ctr" rotWithShape="0">
+                    <a:srgbClr val="000000">
+                      <a:alpha val="43000"/>
+                    </a:srgbClr>
+                  </a:outerShdw>
+                </a:effectLst>
+                <a:latin typeface="+mn-lt"/>
+                <a:ea typeface="+mn-ea"/>
+                <a:cs typeface="+mn-cs"/>
+              </a:defRPr>
+            </a:lvl8pPr>
+            <a:lvl9pPr marL="2834640" indent="-256032" algn="l" defTabSz="914400" rtl="0" eaLnBrk="1" latinLnBrk="0" hangingPunct="1">
+              <a:spcBef>
+                <a:spcPct val="20000"/>
+              </a:spcBef>
+              <a:buSzPct val="60000"/>
+              <a:buFont typeface="Wingdings" pitchFamily="2" charset="2"/>
+              <a:buChar char=""/>
+              <a:defRPr sz="1400" kern="1200">
+                <a:solidFill>
+                  <a:schemeClr val="tx1"/>
+                </a:solidFill>
+                <a:effectLst>
+                  <a:outerShdw blurRad="38100" dist="38100" dir="2700000" algn="ctr" rotWithShape="0">
+                    <a:srgbClr val="000000">
+                      <a:alpha val="43000"/>
+                    </a:srgbClr>
+                  </a:outerShdw>
+                </a:effectLst>
+                <a:latin typeface="+mn-lt"/>
+                <a:ea typeface="+mn-ea"/>
+                <a:cs typeface="+mn-cs"/>
+              </a:defRPr>
+            </a:lvl9pPr>
+          </a:lstStyle>
+          <a:p>
+            <a:pPr marL="18288" indent="0">
+              <a:buFont typeface="Wingdings" pitchFamily="2" charset="2"/>
+              <a:buNone/>
+            </a:pPr>
+            <a:r>
+              <a:rPr lang="en-US" dirty="0" smtClean="0">
                 <a:effectLst/>
-              </a:rPr>
-              <a:t>These </a:t>
-            </a:r>
-            <a:r>
-              <a:rPr lang="en-US" sz="1800" dirty="0">
-                <a:effectLst/>
-              </a:rPr>
-              <a:t>types of </a:t>
-            </a:r>
-            <a:r>
-              <a:rPr lang="en-US" sz="1800" dirty="0" smtClean="0">
-                <a:effectLst/>
-              </a:rPr>
-              <a:t>predictive </a:t>
-            </a:r>
-            <a:r>
-              <a:rPr lang="en-US" sz="1800" dirty="0">
-                <a:effectLst/>
-              </a:rPr>
-              <a:t>models have increased the site's total number of bookings by 4%.</a:t>
-            </a:r>
-            <a:endParaRPr lang="en-US" sz="1800" dirty="0"/>
-          </a:p>
-        </p:txBody>
-      </p:sp>
-      <p:sp>
-        <p:nvSpPr>
-          <p:cNvPr id="4" name="Title 3"/>
-          <p:cNvSpPr>
-            <a:spLocks noGrp="1"/>
-          </p:cNvSpPr>
-          <p:nvPr>
-            <p:ph type="title"/>
-          </p:nvPr>
-        </p:nvSpPr>
-        <p:spPr>
-          <a:xfrm>
-            <a:off x="838200" y="0"/>
-            <a:ext cx="7543800" cy="914400"/>
-          </a:xfrm>
-        </p:spPr>
-        <p:txBody>
-          <a:bodyPr/>
-          <a:lstStyle/>
-          <a:p>
-            <a:r>
-              <a:rPr lang="en-US" sz="3200" dirty="0" smtClean="0"/>
-              <a:t>Real World Usage</a:t>
-            </a:r>
-            <a:endParaRPr lang="en-US" sz="3200" dirty="0"/>
-          </a:p>
-        </p:txBody>
-      </p:sp>
-      <p:sp>
-        <p:nvSpPr>
-          <p:cNvPr id="8" name="Footer Placeholder 7"/>
-          <p:cNvSpPr>
-            <a:spLocks noGrp="1"/>
-          </p:cNvSpPr>
-          <p:nvPr>
-            <p:ph type="ftr" sz="quarter" idx="12"/>
-          </p:nvPr>
-        </p:nvSpPr>
-        <p:spPr/>
-        <p:txBody>
-          <a:bodyPr/>
-          <a:lstStyle/>
-          <a:p>
-            <a:r>
-              <a:rPr lang="en-US" smtClean="0"/>
-              <a:t>Api &amp; Micro Services Test Automation</a:t>
-            </a:r>
-            <a:endParaRPr lang="en-US"/>
+                <a:hlinkClick r:id="rId3" action="ppaction://hlinkfile"/>
+              </a:rPr>
+              <a:t>Developer Survey 2020-21 Report</a:t>
+            </a:r>
+            <a:endParaRPr lang="en-US" dirty="0"/>
           </a:p>
         </p:txBody>
       </p:sp>
     </p:spTree>
     <p:extLst>
       <p:ext uri="{BB962C8B-B14F-4D97-AF65-F5344CB8AC3E}">
-        <p14:creationId xmlns:p14="http://schemas.microsoft.com/office/powerpoint/2010/main" val="2114999152"/>
+        <p14:creationId xmlns:p14="http://schemas.microsoft.com/office/powerpoint/2010/main" val="2110499522"/>
       </p:ext>
     </p:extLst>
   </p:cSld>
